--- a/Class11_xml/Class11_ajax.pptx
+++ b/Class11_xml/Class11_ajax.pptx
@@ -5,32 +5,33 @@
     <p:sldMasterId id="2147483660" r:id="rId1"/>
   </p:sldMasterIdLst>
   <p:sldIdLst>
-    <p:sldId id="256" r:id="rId2"/>
-    <p:sldId id="257" r:id="rId3"/>
-    <p:sldId id="258" r:id="rId4"/>
-    <p:sldId id="259" r:id="rId5"/>
-    <p:sldId id="261" r:id="rId6"/>
-    <p:sldId id="262" r:id="rId7"/>
-    <p:sldId id="264" r:id="rId8"/>
-    <p:sldId id="266" r:id="rId9"/>
-    <p:sldId id="265" r:id="rId10"/>
-    <p:sldId id="263" r:id="rId11"/>
-    <p:sldId id="260" r:id="rId12"/>
-    <p:sldId id="267" r:id="rId13"/>
-    <p:sldId id="268" r:id="rId14"/>
-    <p:sldId id="269" r:id="rId15"/>
-    <p:sldId id="282" r:id="rId16"/>
-    <p:sldId id="271" r:id="rId17"/>
-    <p:sldId id="272" r:id="rId18"/>
-    <p:sldId id="273" r:id="rId19"/>
-    <p:sldId id="274" r:id="rId20"/>
-    <p:sldId id="275" r:id="rId21"/>
-    <p:sldId id="276" r:id="rId22"/>
-    <p:sldId id="277" r:id="rId23"/>
-    <p:sldId id="278" r:id="rId24"/>
-    <p:sldId id="279" r:id="rId25"/>
-    <p:sldId id="280" r:id="rId26"/>
-    <p:sldId id="281" r:id="rId27"/>
+    <p:sldId id="283" r:id="rId2"/>
+    <p:sldId id="256" r:id="rId3"/>
+    <p:sldId id="257" r:id="rId4"/>
+    <p:sldId id="258" r:id="rId5"/>
+    <p:sldId id="259" r:id="rId6"/>
+    <p:sldId id="261" r:id="rId7"/>
+    <p:sldId id="262" r:id="rId8"/>
+    <p:sldId id="264" r:id="rId9"/>
+    <p:sldId id="266" r:id="rId10"/>
+    <p:sldId id="265" r:id="rId11"/>
+    <p:sldId id="263" r:id="rId12"/>
+    <p:sldId id="260" r:id="rId13"/>
+    <p:sldId id="267" r:id="rId14"/>
+    <p:sldId id="268" r:id="rId15"/>
+    <p:sldId id="269" r:id="rId16"/>
+    <p:sldId id="282" r:id="rId17"/>
+    <p:sldId id="271" r:id="rId18"/>
+    <p:sldId id="272" r:id="rId19"/>
+    <p:sldId id="273" r:id="rId20"/>
+    <p:sldId id="274" r:id="rId21"/>
+    <p:sldId id="275" r:id="rId22"/>
+    <p:sldId id="276" r:id="rId23"/>
+    <p:sldId id="277" r:id="rId24"/>
+    <p:sldId id="278" r:id="rId25"/>
+    <p:sldId id="279" r:id="rId26"/>
+    <p:sldId id="280" r:id="rId27"/>
+    <p:sldId id="281" r:id="rId28"/>
   </p:sldIdLst>
   <p:sldSz cx="9144000" cy="6858000" type="screen4x3"/>
   <p:notesSz cx="6858000" cy="9144000"/>
@@ -5018,7 +5019,7 @@
             <a:spLocks noGrp="1"/>
           </p:cNvSpPr>
           <p:nvPr>
-            <p:ph type="ctrTitle"/>
+            <p:ph type="title"/>
           </p:nvPr>
         </p:nvSpPr>
         <p:spPr/>
@@ -5028,7 +5029,7 @@
           <a:p>
             <a:r>
               <a:rPr lang="en-US" dirty="0" smtClean="0"/>
-              <a:t>Intro to AJAX	</a:t>
+              <a:t>Today</a:t>
             </a:r>
             <a:endParaRPr lang="en-US" dirty="0"/>
           </a:p>
@@ -5036,12 +5037,12 @@
       </p:sp>
       <p:sp>
         <p:nvSpPr>
-          <p:cNvPr id="3" name="Subtitle 2"/>
-          <p:cNvSpPr>
-            <a:spLocks noGrp="1"/>
-          </p:cNvSpPr>
-          <p:nvPr>
-            <p:ph type="subTitle" idx="1"/>
+          <p:cNvPr id="3" name="Content Placeholder 2"/>
+          <p:cNvSpPr>
+            <a:spLocks noGrp="1"/>
+          </p:cNvSpPr>
+          <p:nvPr>
+            <p:ph idx="1"/>
           </p:nvPr>
         </p:nvSpPr>
         <p:spPr/>
@@ -5050,65 +5051,38 @@
           <a:lstStyle/>
           <a:p>
             <a:r>
-              <a:rPr lang="en-US" dirty="0" smtClean="0"/>
-              <a:t>Introduction to AJAX</a:t>
-            </a:r>
-          </a:p>
-          <a:p>
-            <a:r>
-              <a:rPr lang="en-US" dirty="0" smtClean="0"/>
-              <a:t>AJAX, XML and JSON</a:t>
-            </a:r>
+              <a:rPr lang="en-US" smtClean="0"/>
+              <a:t>Discuss ONA and networking </a:t>
+            </a:r>
+            <a:endParaRPr lang="en-US" dirty="0" smtClean="0"/>
+          </a:p>
+          <a:p>
+            <a:r>
+              <a:rPr lang="en-US" dirty="0" smtClean="0"/>
+              <a:t>Discuss Project</a:t>
+            </a:r>
+          </a:p>
+          <a:p>
+            <a:r>
+              <a:rPr lang="en-US" dirty="0" smtClean="0"/>
+              <a:t>Learn about AJAX, XML and JSON data</a:t>
+            </a:r>
+          </a:p>
+          <a:p>
+            <a:r>
+              <a:rPr lang="en-US" dirty="0" smtClean="0"/>
+              <a:t>Practice loading XML data into HTML via JavaScript </a:t>
+            </a:r>
+          </a:p>
+          <a:p>
             <a:endParaRPr lang="en-US" dirty="0"/>
           </a:p>
         </p:txBody>
       </p:sp>
-      <p:pic>
-        <p:nvPicPr>
-          <p:cNvPr id="4" name="Content Placeholder 3" descr="ajax.jpeg"/>
-          <p:cNvPicPr>
-            <a:picLocks noChangeAspect="1"/>
-          </p:cNvPicPr>
-          <p:nvPr/>
-        </p:nvPicPr>
-        <p:blipFill>
-          <a:blip r:embed="rId2">
-            <a:extLst>
-              <a:ext uri="{28A0092B-C50C-407E-A947-70E740481C1C}">
-                <a14:useLocalDpi xmlns:a14="http://schemas.microsoft.com/office/drawing/2010/main" val="0"/>
-              </a:ext>
-            </a:extLst>
-          </a:blip>
-          <a:srcRect t="1569" b="1569"/>
-          <a:stretch>
-            <a:fillRect/>
-          </a:stretch>
-        </p:blipFill>
-        <p:spPr>
-          <a:xfrm>
-            <a:off x="678722" y="0"/>
-            <a:ext cx="4178873" cy="2015600"/>
-          </a:xfrm>
-          <a:prstGeom prst="rect">
-            <a:avLst/>
-          </a:prstGeom>
-          <a:solidFill>
-            <a:schemeClr val="bg2">
-              <a:lumMod val="40000"/>
-              <a:lumOff val="60000"/>
-            </a:schemeClr>
-          </a:solidFill>
-          <a:ln w="25400" cap="flat" cmpd="sng" algn="ctr">
-            <a:noFill/>
-            <a:prstDash val="solid"/>
-          </a:ln>
-          <a:effectLst/>
-        </p:spPr>
-      </p:pic>
     </p:spTree>
     <p:extLst>
       <p:ext uri="{BB962C8B-B14F-4D97-AF65-F5344CB8AC3E}">
-        <p14:creationId xmlns:p14="http://schemas.microsoft.com/office/powerpoint/2010/main" val="664979902"/>
+        <p14:creationId xmlns:p14="http://schemas.microsoft.com/office/powerpoint/2010/main" val="1969876735"/>
       </p:ext>
     </p:extLst>
   </p:cSld>
@@ -5145,19 +5119,14 @@
             <p:ph type="title"/>
           </p:nvPr>
         </p:nvSpPr>
-        <p:spPr>
-          <a:xfrm>
-            <a:off x="0" y="209456"/>
-            <a:ext cx="8913813" cy="914400"/>
-          </a:xfrm>
-        </p:spPr>
-        <p:txBody>
-          <a:bodyPr/>
-          <a:lstStyle/>
-          <a:p>
-            <a:r>
-              <a:rPr lang="en-US" dirty="0" smtClean="0"/>
-              <a:t>JavaScript Component</a:t>
+        <p:spPr/>
+        <p:txBody>
+          <a:bodyPr/>
+          <a:lstStyle/>
+          <a:p>
+            <a:r>
+              <a:rPr lang="en-US" dirty="0" smtClean="0"/>
+              <a:t>JSON or XML: The choice is yours</a:t>
             </a:r>
             <a:endParaRPr lang="en-US" dirty="0"/>
           </a:p>
@@ -5173,31 +5142,32 @@
             <p:ph idx="1"/>
           </p:nvPr>
         </p:nvSpPr>
-        <p:spPr>
-          <a:xfrm>
-            <a:off x="302642" y="1139893"/>
-            <a:ext cx="8841357" cy="5433312"/>
-          </a:xfrm>
-        </p:spPr>
-        <p:txBody>
-          <a:bodyPr/>
-          <a:lstStyle/>
-          <a:p>
-            <a:r>
-              <a:rPr lang="en-US" dirty="0" smtClean="0"/>
-              <a:t>“Calls” the XML or JSON without reloading the page.</a:t>
-            </a:r>
-          </a:p>
-          <a:p>
-            <a:r>
-              <a:rPr lang="en-US" dirty="0" smtClean="0"/>
-              <a:t>Data is displayed instantly when JS writes it.</a:t>
-            </a:r>
-          </a:p>
-          <a:p>
-            <a:r>
-              <a:rPr lang="en-US" dirty="0" smtClean="0"/>
-              <a:t>Gives the impression of an application rather than a webpage</a:t>
+        <p:spPr/>
+        <p:txBody>
+          <a:bodyPr/>
+          <a:lstStyle/>
+          <a:p>
+            <a:r>
+              <a:rPr lang="en-US" dirty="0" smtClean="0"/>
+              <a:t>This is like the Mac or PC debate</a:t>
+            </a:r>
+          </a:p>
+          <a:p>
+            <a:r>
+              <a:rPr lang="en-US" dirty="0" smtClean="0"/>
+              <a:t>Some argue XML is better because it is extensible while others argue JSON is better because it is simpler.</a:t>
+            </a:r>
+          </a:p>
+          <a:p>
+            <a:r>
+              <a:rPr lang="en-US" dirty="0" smtClean="0"/>
+              <a:t>For large data sets, XML tends to be larger in file size because of the closing tags.</a:t>
+            </a:r>
+          </a:p>
+          <a:p>
+            <a:r>
+              <a:rPr lang="en-US" dirty="0" smtClean="0"/>
+              <a:t>Use the right tool for the job. Both have purposes.</a:t>
             </a:r>
           </a:p>
           <a:p>
@@ -5208,7 +5178,7 @@
     </p:spTree>
     <p:extLst>
       <p:ext uri="{BB962C8B-B14F-4D97-AF65-F5344CB8AC3E}">
-        <p14:creationId xmlns:p14="http://schemas.microsoft.com/office/powerpoint/2010/main" val="1230824035"/>
+        <p14:creationId xmlns:p14="http://schemas.microsoft.com/office/powerpoint/2010/main" val="2092680765"/>
       </p:ext>
     </p:extLst>
   </p:cSld>
@@ -5245,18 +5215,19 @@
             <p:ph type="title"/>
           </p:nvPr>
         </p:nvSpPr>
-        <p:spPr/>
-        <p:txBody>
-          <a:bodyPr/>
-          <a:lstStyle/>
-          <a:p>
-            <a:r>
-              <a:rPr lang="en-US" dirty="0" err="1" smtClean="0"/>
-              <a:t>jQuery</a:t>
-            </a:r>
-            <a:r>
-              <a:rPr lang="en-US" dirty="0" smtClean="0"/>
-              <a:t> to the rescue</a:t>
+        <p:spPr>
+          <a:xfrm>
+            <a:off x="0" y="209456"/>
+            <a:ext cx="8913813" cy="914400"/>
+          </a:xfrm>
+        </p:spPr>
+        <p:txBody>
+          <a:bodyPr/>
+          <a:lstStyle/>
+          <a:p>
+            <a:r>
+              <a:rPr lang="en-US" dirty="0" smtClean="0"/>
+              <a:t>JavaScript Component</a:t>
             </a:r>
             <a:endParaRPr lang="en-US" dirty="0"/>
           </a:p>
@@ -5272,131 +5243,42 @@
             <p:ph idx="1"/>
           </p:nvPr>
         </p:nvSpPr>
-        <p:spPr/>
-        <p:txBody>
-          <a:bodyPr/>
-          <a:lstStyle/>
-          <a:p>
-            <a:r>
-              <a:rPr lang="en-US" dirty="0" err="1" smtClean="0"/>
-              <a:t>jQuery</a:t>
-            </a:r>
-            <a:r>
-              <a:rPr lang="en-US" dirty="0" smtClean="0"/>
-              <a:t> has a AJAX function/object</a:t>
-            </a:r>
+        <p:spPr>
+          <a:xfrm>
+            <a:off x="302642" y="1139893"/>
+            <a:ext cx="8841357" cy="5433312"/>
+          </a:xfrm>
+        </p:spPr>
+        <p:txBody>
+          <a:bodyPr/>
+          <a:lstStyle/>
+          <a:p>
+            <a:r>
+              <a:rPr lang="en-US" dirty="0" smtClean="0"/>
+              <a:t>“Calls” the XML or JSON without reloading the page.</a:t>
+            </a:r>
+          </a:p>
+          <a:p>
+            <a:r>
+              <a:rPr lang="en-US" dirty="0" smtClean="0"/>
+              <a:t>Data is displayed instantly when JS writes it.</a:t>
+            </a:r>
+          </a:p>
+          <a:p>
+            <a:r>
+              <a:rPr lang="en-US" dirty="0" smtClean="0"/>
+              <a:t>Gives the impression of an application rather than a webpage</a:t>
+            </a:r>
+          </a:p>
+          <a:p>
             <a:endParaRPr lang="en-US" dirty="0"/>
-          </a:p>
-        </p:txBody>
-      </p:sp>
-      <p:pic>
-        <p:nvPicPr>
-          <p:cNvPr id="4" name="Picture 3" descr="Screen Shot 2013-02-24 at 10.25.55 PM.png"/>
-          <p:cNvPicPr>
-            <a:picLocks noChangeAspect="1"/>
-          </p:cNvPicPr>
-          <p:nvPr/>
-        </p:nvPicPr>
-        <p:blipFill>
-          <a:blip r:embed="rId2">
-            <a:extLst>
-              <a:ext uri="{28A0092B-C50C-407E-A947-70E740481C1C}">
-                <a14:useLocalDpi xmlns:a14="http://schemas.microsoft.com/office/drawing/2010/main" val="0"/>
-              </a:ext>
-            </a:extLst>
-          </a:blip>
-          <a:stretch>
-            <a:fillRect/>
-          </a:stretch>
-        </p:blipFill>
-        <p:spPr>
-          <a:xfrm>
-            <a:off x="0" y="3421253"/>
-            <a:ext cx="9144000" cy="2845076"/>
-          </a:xfrm>
-          <a:prstGeom prst="rect">
-            <a:avLst/>
-          </a:prstGeom>
-        </p:spPr>
-      </p:pic>
-      <p:sp>
-        <p:nvSpPr>
-          <p:cNvPr id="5" name="Rectangle 4"/>
-          <p:cNvSpPr/>
-          <p:nvPr/>
-        </p:nvSpPr>
-        <p:spPr>
-          <a:xfrm>
-            <a:off x="157119" y="6396335"/>
-            <a:ext cx="9309301" cy="307777"/>
-          </a:xfrm>
-          <a:prstGeom prst="rect">
-            <a:avLst/>
-          </a:prstGeom>
-        </p:spPr>
-        <p:txBody>
-          <a:bodyPr wrap="square">
-            <a:spAutoFit/>
-          </a:bodyPr>
-          <a:lstStyle/>
-          <a:p>
-            <a:r>
-              <a:rPr lang="en-US" sz="1400" dirty="0">
-                <a:solidFill>
-                  <a:schemeClr val="bg1">
-                    <a:lumMod val="65000"/>
-                  </a:schemeClr>
-                </a:solidFill>
-              </a:rPr>
-              <a:t>http://</a:t>
-            </a:r>
-            <a:r>
-              <a:rPr lang="en-US" sz="1400" dirty="0" err="1">
-                <a:solidFill>
-                  <a:schemeClr val="bg1">
-                    <a:lumMod val="65000"/>
-                  </a:schemeClr>
-                </a:solidFill>
-              </a:rPr>
-              <a:t>api.jquery.com</a:t>
-            </a:r>
-            <a:r>
-              <a:rPr lang="en-US" sz="1400" dirty="0">
-                <a:solidFill>
-                  <a:schemeClr val="bg1">
-                    <a:lumMod val="65000"/>
-                  </a:schemeClr>
-                </a:solidFill>
-              </a:rPr>
-              <a:t>/</a:t>
-            </a:r>
-            <a:r>
-              <a:rPr lang="en-US" sz="1400" dirty="0" err="1">
-                <a:solidFill>
-                  <a:schemeClr val="bg1">
-                    <a:lumMod val="65000"/>
-                  </a:schemeClr>
-                </a:solidFill>
-              </a:rPr>
-              <a:t>jQuery.ajax</a:t>
-            </a:r>
-            <a:r>
-              <a:rPr lang="en-US" sz="1400" dirty="0">
-                <a:solidFill>
-                  <a:schemeClr val="bg1">
-                    <a:lumMod val="65000"/>
-                  </a:schemeClr>
-                </a:solidFill>
-              </a:rPr>
-              <a:t>/</a:t>
-            </a:r>
           </a:p>
         </p:txBody>
       </p:sp>
     </p:spTree>
     <p:extLst>
       <p:ext uri="{BB962C8B-B14F-4D97-AF65-F5344CB8AC3E}">
-        <p14:creationId xmlns:p14="http://schemas.microsoft.com/office/powerpoint/2010/main" val="2032392629"/>
+        <p14:creationId xmlns:p14="http://schemas.microsoft.com/office/powerpoint/2010/main" val="1230824035"/>
       </p:ext>
     </p:extLst>
   </p:cSld>
@@ -5433,19 +5315,18 @@
             <p:ph type="title"/>
           </p:nvPr>
         </p:nvSpPr>
-        <p:spPr>
-          <a:xfrm>
-            <a:off x="0" y="209456"/>
-            <a:ext cx="8913813" cy="914400"/>
-          </a:xfrm>
-        </p:spPr>
-        <p:txBody>
-          <a:bodyPr/>
-          <a:lstStyle/>
-          <a:p>
-            <a:r>
-              <a:rPr lang="en-US" dirty="0" smtClean="0"/>
-              <a:t>Starting Point</a:t>
+        <p:spPr/>
+        <p:txBody>
+          <a:bodyPr/>
+          <a:lstStyle/>
+          <a:p>
+            <a:r>
+              <a:rPr lang="en-US" dirty="0" err="1" smtClean="0"/>
+              <a:t>jQuery</a:t>
+            </a:r>
+            <a:r>
+              <a:rPr lang="en-US" dirty="0" smtClean="0"/>
+              <a:t> to the rescue</a:t>
             </a:r>
             <a:endParaRPr lang="en-US" dirty="0"/>
           </a:p>
@@ -5461,90 +5342,26 @@
             <p:ph idx="1"/>
           </p:nvPr>
         </p:nvSpPr>
-        <p:spPr>
-          <a:xfrm>
-            <a:off x="302642" y="1139893"/>
-            <a:ext cx="8841357" cy="5433312"/>
-          </a:xfrm>
-        </p:spPr>
-        <p:txBody>
-          <a:bodyPr/>
-          <a:lstStyle/>
-          <a:p>
-            <a:r>
-              <a:rPr lang="en-US" dirty="0" smtClean="0"/>
-              <a:t>Open the </a:t>
-            </a:r>
+        <p:spPr/>
+        <p:txBody>
+          <a:bodyPr/>
+          <a:lstStyle/>
+          <a:p>
             <a:r>
               <a:rPr lang="en-US" dirty="0" err="1" smtClean="0"/>
-              <a:t>index_start.html</a:t>
-            </a:r>
-            <a:r>
-              <a:rPr lang="en-US" dirty="0" smtClean="0"/>
-              <a:t> and save as </a:t>
-            </a:r>
-            <a:r>
-              <a:rPr lang="en-US" dirty="0" err="1" smtClean="0"/>
-              <a:t>index.html</a:t>
-            </a:r>
-            <a:endParaRPr lang="en-US" dirty="0" smtClean="0"/>
-          </a:p>
-          <a:p>
-            <a:pPr marL="692150" lvl="2" indent="-342900">
-              <a:spcBef>
-                <a:spcPts val="2000"/>
-              </a:spcBef>
-            </a:pPr>
-            <a:r>
-              <a:rPr lang="en-US" dirty="0"/>
-              <a:t>CSS and </a:t>
-            </a:r>
-            <a:r>
-              <a:rPr lang="en-US" dirty="0" err="1"/>
               <a:t>jQuery</a:t>
             </a:r>
             <a:r>
-              <a:rPr lang="en-US" dirty="0"/>
-              <a:t> files </a:t>
-            </a:r>
-            <a:r>
-              <a:rPr lang="en-US" dirty="0" smtClean="0"/>
-              <a:t>included</a:t>
-            </a:r>
-          </a:p>
-          <a:p>
-            <a:r>
-              <a:rPr lang="en-US" dirty="0" smtClean="0"/>
-              <a:t>NOTE: Chrome does not like AJAX local but it does work on the server. </a:t>
-            </a:r>
-          </a:p>
-          <a:p>
-            <a:r>
-              <a:rPr lang="en-US" dirty="0" smtClean="0"/>
-              <a:t>SO.... Lets run our own server....</a:t>
-            </a:r>
-          </a:p>
-          <a:p>
-            <a:endParaRPr lang="en-US" dirty="0"/>
-          </a:p>
-          <a:p>
-            <a:r>
-              <a:rPr lang="en-US" dirty="0" smtClean="0"/>
-              <a:t>Command line:</a:t>
-            </a:r>
-          </a:p>
-          <a:p>
-            <a:pPr lvl="1"/>
-            <a:endParaRPr lang="en-US" dirty="0" smtClean="0"/>
-          </a:p>
-          <a:p>
+              <a:rPr lang="en-US" dirty="0" smtClean="0"/>
+              <a:t> has a AJAX function/object</a:t>
+            </a:r>
             <a:endParaRPr lang="en-US" dirty="0"/>
           </a:p>
         </p:txBody>
       </p:sp>
       <p:pic>
         <p:nvPicPr>
-          <p:cNvPr id="4" name="Picture 3" descr="Screen Shot 2014-02-24 at 8.37.44 AM.png"/>
+          <p:cNvPr id="4" name="Picture 3" descr="Screen Shot 2013-02-24 at 10.25.55 PM.png"/>
           <p:cNvPicPr>
             <a:picLocks noChangeAspect="1"/>
           </p:cNvPicPr>
@@ -5564,18 +5381,92 @@
         </p:blipFill>
         <p:spPr>
           <a:xfrm>
-            <a:off x="642622" y="4704230"/>
-            <a:ext cx="6518041" cy="1220607"/>
+            <a:off x="0" y="3421253"/>
+            <a:ext cx="9144000" cy="2845076"/>
           </a:xfrm>
           <a:prstGeom prst="rect">
             <a:avLst/>
           </a:prstGeom>
         </p:spPr>
       </p:pic>
+      <p:sp>
+        <p:nvSpPr>
+          <p:cNvPr id="5" name="Rectangle 4"/>
+          <p:cNvSpPr/>
+          <p:nvPr/>
+        </p:nvSpPr>
+        <p:spPr>
+          <a:xfrm>
+            <a:off x="157119" y="6396335"/>
+            <a:ext cx="9309301" cy="307777"/>
+          </a:xfrm>
+          <a:prstGeom prst="rect">
+            <a:avLst/>
+          </a:prstGeom>
+        </p:spPr>
+        <p:txBody>
+          <a:bodyPr wrap="square">
+            <a:spAutoFit/>
+          </a:bodyPr>
+          <a:lstStyle/>
+          <a:p>
+            <a:r>
+              <a:rPr lang="en-US" sz="1400" dirty="0">
+                <a:solidFill>
+                  <a:schemeClr val="bg1">
+                    <a:lumMod val="65000"/>
+                  </a:schemeClr>
+                </a:solidFill>
+              </a:rPr>
+              <a:t>http://</a:t>
+            </a:r>
+            <a:r>
+              <a:rPr lang="en-US" sz="1400" dirty="0" err="1">
+                <a:solidFill>
+                  <a:schemeClr val="bg1">
+                    <a:lumMod val="65000"/>
+                  </a:schemeClr>
+                </a:solidFill>
+              </a:rPr>
+              <a:t>api.jquery.com</a:t>
+            </a:r>
+            <a:r>
+              <a:rPr lang="en-US" sz="1400" dirty="0">
+                <a:solidFill>
+                  <a:schemeClr val="bg1">
+                    <a:lumMod val="65000"/>
+                  </a:schemeClr>
+                </a:solidFill>
+              </a:rPr>
+              <a:t>/</a:t>
+            </a:r>
+            <a:r>
+              <a:rPr lang="en-US" sz="1400" dirty="0" err="1">
+                <a:solidFill>
+                  <a:schemeClr val="bg1">
+                    <a:lumMod val="65000"/>
+                  </a:schemeClr>
+                </a:solidFill>
+              </a:rPr>
+              <a:t>jQuery.ajax</a:t>
+            </a:r>
+            <a:r>
+              <a:rPr lang="en-US" sz="1400" dirty="0">
+                <a:solidFill>
+                  <a:schemeClr val="bg1">
+                    <a:lumMod val="65000"/>
+                  </a:schemeClr>
+                </a:solidFill>
+              </a:rPr>
+              <a:t>/</a:t>
+            </a:r>
+          </a:p>
+        </p:txBody>
+      </p:sp>
     </p:spTree>
     <p:extLst>
       <p:ext uri="{BB962C8B-B14F-4D97-AF65-F5344CB8AC3E}">
-        <p14:creationId xmlns:p14="http://schemas.microsoft.com/office/powerpoint/2010/main" val="3370786865"/>
+        <p14:creationId xmlns:p14="http://schemas.microsoft.com/office/powerpoint/2010/main" val="2032392629"/>
       </p:ext>
     </p:extLst>
   </p:cSld>
@@ -5660,7 +5551,7 @@
             </a:r>
             <a:r>
               <a:rPr lang="en-US" dirty="0" smtClean="0"/>
-              <a:t> and Save as </a:t>
+              <a:t> and save as </a:t>
             </a:r>
             <a:r>
               <a:rPr lang="en-US" dirty="0" err="1" smtClean="0"/>
@@ -5694,7 +5585,22 @@
           <a:p>
             <a:r>
               <a:rPr lang="en-US" dirty="0" smtClean="0"/>
-              <a:t>NOTE: Chrome does not like AJAX local but it does work on the server. We will be testing in Firefox</a:t>
+              <a:t>NOTE: Chrome does not like AJAX local but it does work on the server. </a:t>
+            </a:r>
+          </a:p>
+          <a:p>
+            <a:r>
+              <a:rPr lang="en-US" dirty="0" smtClean="0"/>
+              <a:t>SO.... Lets run our own server....</a:t>
+            </a:r>
+          </a:p>
+          <a:p>
+            <a:endParaRPr lang="en-US" dirty="0"/>
+          </a:p>
+          <a:p>
+            <a:r>
+              <a:rPr lang="en-US" dirty="0" smtClean="0"/>
+              <a:t>Command line:</a:t>
             </a:r>
           </a:p>
           <a:p>
@@ -5708,7 +5614,7 @@
       </p:sp>
       <p:pic>
         <p:nvPicPr>
-          <p:cNvPr id="4" name="Picture 3" descr="Screen Shot 2013-02-24 at 11.00.17 PM.png"/>
+          <p:cNvPr id="4" name="Picture 3" descr="Screen Shot 2014-02-24 at 8.37.44 AM.png"/>
           <p:cNvPicPr>
             <a:picLocks noChangeAspect="1"/>
           </p:cNvPicPr>
@@ -5728,8 +5634,8 @@
         </p:blipFill>
         <p:spPr>
           <a:xfrm>
-            <a:off x="0" y="1584277"/>
-            <a:ext cx="9144000" cy="4357141"/>
+            <a:off x="642622" y="4704230"/>
+            <a:ext cx="6518041" cy="1220607"/>
           </a:xfrm>
           <a:prstGeom prst="rect">
             <a:avLst/>
@@ -5739,7 +5645,7 @@
     </p:spTree>
     <p:extLst>
       <p:ext uri="{BB962C8B-B14F-4D97-AF65-F5344CB8AC3E}">
-        <p14:creationId xmlns:p14="http://schemas.microsoft.com/office/powerpoint/2010/main" val="3326973807"/>
+        <p14:creationId xmlns:p14="http://schemas.microsoft.com/office/powerpoint/2010/main" val="3370786865"/>
       </p:ext>
     </p:extLst>
   </p:cSld>
@@ -5788,7 +5694,7 @@
           <a:p>
             <a:r>
               <a:rPr lang="en-US" dirty="0" smtClean="0"/>
-              <a:t>Document Ready Load XML</a:t>
+              <a:t>Starting Point</a:t>
             </a:r>
             <a:endParaRPr lang="en-US" dirty="0"/>
           </a:p>
@@ -5816,37 +5722,94 @@
           <a:p>
             <a:r>
               <a:rPr lang="en-US" dirty="0" smtClean="0"/>
-              <a:t>Inside a document ready function</a:t>
-            </a:r>
-          </a:p>
-          <a:p>
-            <a:r>
-              <a:rPr lang="en-US" dirty="0" smtClean="0"/>
-              <a:t>Load </a:t>
+              <a:t>Open the </a:t>
             </a:r>
             <a:r>
               <a:rPr lang="en-US" dirty="0" err="1" smtClean="0"/>
-              <a:t>myData.xml</a:t>
-            </a:r>
-            <a:r>
-              <a:rPr lang="en-US" dirty="0" smtClean="0"/>
-              <a:t> (relative </a:t>
+              <a:t>index_start.html</a:t>
+            </a:r>
+            <a:r>
+              <a:rPr lang="en-US" dirty="0" smtClean="0"/>
+              <a:t> and Save as </a:t>
             </a:r>
             <a:r>
               <a:rPr lang="en-US" dirty="0" err="1" smtClean="0"/>
-              <a:t>url</a:t>
-            </a:r>
-            <a:r>
-              <a:rPr lang="en-US" dirty="0" smtClean="0"/>
-              <a:t>)</a:t>
-            </a:r>
-          </a:p>
-        </p:txBody>
-      </p:sp>
+              <a:t>index.html</a:t>
+            </a:r>
+            <a:endParaRPr lang="en-US" dirty="0" smtClean="0"/>
+          </a:p>
+          <a:p>
+            <a:pPr marL="692150" lvl="2" indent="-342900">
+              <a:spcBef>
+                <a:spcPts val="2000"/>
+              </a:spcBef>
+            </a:pPr>
+            <a:r>
+              <a:rPr lang="en-US" dirty="0"/>
+              <a:t>CSS and </a:t>
+            </a:r>
+            <a:r>
+              <a:rPr lang="en-US" dirty="0" err="1"/>
+              <a:t>jQuery</a:t>
+            </a:r>
+            <a:r>
+              <a:rPr lang="en-US" dirty="0"/>
+              <a:t> files </a:t>
+            </a:r>
+            <a:r>
+              <a:rPr lang="en-US" dirty="0" smtClean="0"/>
+              <a:t>included</a:t>
+            </a:r>
+          </a:p>
+          <a:p>
+            <a:r>
+              <a:rPr lang="en-US" dirty="0" smtClean="0"/>
+              <a:t>NOTE: Chrome does not like AJAX local but it does work on the server. We will be testing in Firefox</a:t>
+            </a:r>
+          </a:p>
+          <a:p>
+            <a:pPr lvl="1"/>
+            <a:endParaRPr lang="en-US" dirty="0" smtClean="0"/>
+          </a:p>
+          <a:p>
+            <a:endParaRPr lang="en-US" dirty="0"/>
+          </a:p>
+        </p:txBody>
+      </p:sp>
+      <p:pic>
+        <p:nvPicPr>
+          <p:cNvPr id="4" name="Picture 3" descr="Screen Shot 2013-02-24 at 11.00.17 PM.png"/>
+          <p:cNvPicPr>
+            <a:picLocks noChangeAspect="1"/>
+          </p:cNvPicPr>
+          <p:nvPr/>
+        </p:nvPicPr>
+        <p:blipFill>
+          <a:blip r:embed="rId2">
+            <a:extLst>
+              <a:ext uri="{28A0092B-C50C-407E-A947-70E740481C1C}">
+                <a14:useLocalDpi xmlns:a14="http://schemas.microsoft.com/office/drawing/2010/main" val="0"/>
+              </a:ext>
+            </a:extLst>
+          </a:blip>
+          <a:stretch>
+            <a:fillRect/>
+          </a:stretch>
+        </p:blipFill>
+        <p:spPr>
+          <a:xfrm>
+            <a:off x="0" y="1584277"/>
+            <a:ext cx="9144000" cy="4357141"/>
+          </a:xfrm>
+          <a:prstGeom prst="rect">
+            <a:avLst/>
+          </a:prstGeom>
+        </p:spPr>
+      </p:pic>
     </p:spTree>
     <p:extLst>
       <p:ext uri="{BB962C8B-B14F-4D97-AF65-F5344CB8AC3E}">
-        <p14:creationId xmlns:p14="http://schemas.microsoft.com/office/powerpoint/2010/main" val="1750442698"/>
+        <p14:creationId xmlns:p14="http://schemas.microsoft.com/office/powerpoint/2010/main" val="3326973807"/>
       </p:ext>
     </p:extLst>
   </p:cSld>
@@ -5883,14 +5846,19 @@
             <p:ph type="title"/>
           </p:nvPr>
         </p:nvSpPr>
-        <p:spPr/>
-        <p:txBody>
-          <a:bodyPr/>
-          <a:lstStyle/>
-          <a:p>
-            <a:r>
-              <a:rPr lang="en-US" dirty="0" smtClean="0"/>
-              <a:t>AJAX function</a:t>
+        <p:spPr>
+          <a:xfrm>
+            <a:off x="0" y="209456"/>
+            <a:ext cx="8913813" cy="914400"/>
+          </a:xfrm>
+        </p:spPr>
+        <p:txBody>
+          <a:bodyPr/>
+          <a:lstStyle/>
+          <a:p>
+            <a:r>
+              <a:rPr lang="en-US" dirty="0" smtClean="0"/>
+              <a:t>Document Ready Load XML</a:t>
             </a:r>
             <a:endParaRPr lang="en-US" dirty="0"/>
           </a:p>
@@ -5906,49 +5874,49 @@
             <p:ph idx="1"/>
           </p:nvPr>
         </p:nvSpPr>
-        <p:spPr/>
-        <p:txBody>
-          <a:bodyPr/>
-          <a:lstStyle/>
-          <a:p>
-            <a:endParaRPr lang="en-US"/>
-          </a:p>
-        </p:txBody>
-      </p:sp>
-      <p:pic>
-        <p:nvPicPr>
-          <p:cNvPr id="4" name="Picture 3" descr="Screen Shot 2013-02-25 at 12.15.05 AM.png"/>
-          <p:cNvPicPr>
-            <a:picLocks noChangeAspect="1"/>
-          </p:cNvPicPr>
-          <p:nvPr/>
-        </p:nvPicPr>
-        <p:blipFill>
-          <a:blip r:embed="rId2">
-            <a:extLst>
-              <a:ext uri="{28A0092B-C50C-407E-A947-70E740481C1C}">
-                <a14:useLocalDpi xmlns:a14="http://schemas.microsoft.com/office/drawing/2010/main" val="0"/>
-              </a:ext>
-            </a:extLst>
-          </a:blip>
-          <a:stretch>
-            <a:fillRect/>
-          </a:stretch>
-        </p:blipFill>
-        <p:spPr>
-          <a:xfrm>
-            <a:off x="0" y="2268211"/>
-            <a:ext cx="9144000" cy="3274404"/>
-          </a:xfrm>
-          <a:prstGeom prst="rect">
-            <a:avLst/>
-          </a:prstGeom>
-        </p:spPr>
-      </p:pic>
+        <p:spPr>
+          <a:xfrm>
+            <a:off x="302642" y="1139893"/>
+            <a:ext cx="8841357" cy="5433312"/>
+          </a:xfrm>
+        </p:spPr>
+        <p:txBody>
+          <a:bodyPr/>
+          <a:lstStyle/>
+          <a:p>
+            <a:r>
+              <a:rPr lang="en-US" dirty="0" smtClean="0"/>
+              <a:t>Inside a document ready function</a:t>
+            </a:r>
+          </a:p>
+          <a:p>
+            <a:r>
+              <a:rPr lang="en-US" dirty="0" smtClean="0"/>
+              <a:t>Load </a:t>
+            </a:r>
+            <a:r>
+              <a:rPr lang="en-US" dirty="0" err="1" smtClean="0"/>
+              <a:t>myData.xml</a:t>
+            </a:r>
+            <a:r>
+              <a:rPr lang="en-US" dirty="0" smtClean="0"/>
+              <a:t> (relative </a:t>
+            </a:r>
+            <a:r>
+              <a:rPr lang="en-US" dirty="0" err="1" smtClean="0"/>
+              <a:t>url</a:t>
+            </a:r>
+            <a:r>
+              <a:rPr lang="en-US" dirty="0" smtClean="0"/>
+              <a:t>)</a:t>
+            </a:r>
+          </a:p>
+        </p:txBody>
+      </p:sp>
     </p:spTree>
     <p:extLst>
       <p:ext uri="{BB962C8B-B14F-4D97-AF65-F5344CB8AC3E}">
-        <p14:creationId xmlns:p14="http://schemas.microsoft.com/office/powerpoint/2010/main" val="2611804408"/>
+        <p14:creationId xmlns:p14="http://schemas.microsoft.com/office/powerpoint/2010/main" val="1750442698"/>
       </p:ext>
     </p:extLst>
   </p:cSld>
@@ -5992,7 +5960,7 @@
           <a:p>
             <a:r>
               <a:rPr lang="en-US" dirty="0" smtClean="0"/>
-              <a:t>XML Loops</a:t>
+              <a:t>AJAX function</a:t>
             </a:r>
             <a:endParaRPr lang="en-US" dirty="0"/>
           </a:p>
@@ -6019,7 +5987,7 @@
       </p:sp>
       <p:pic>
         <p:nvPicPr>
-          <p:cNvPr id="6" name="Picture 5" descr="Screen Shot 2013-05-07 at 12.17.52 PM.png"/>
+          <p:cNvPr id="4" name="Picture 3" descr="Screen Shot 2013-02-25 at 12.15.05 AM.png"/>
           <p:cNvPicPr>
             <a:picLocks noChangeAspect="1"/>
           </p:cNvPicPr>
@@ -6039,8 +6007,8 @@
         </p:blipFill>
         <p:spPr>
           <a:xfrm>
-            <a:off x="0" y="2595562"/>
-            <a:ext cx="9144000" cy="3563697"/>
+            <a:off x="0" y="2268211"/>
+            <a:ext cx="9144000" cy="3274404"/>
           </a:xfrm>
           <a:prstGeom prst="rect">
             <a:avLst/>
@@ -6050,7 +6018,7 @@
     </p:spTree>
     <p:extLst>
       <p:ext uri="{BB962C8B-B14F-4D97-AF65-F5344CB8AC3E}">
-        <p14:creationId xmlns:p14="http://schemas.microsoft.com/office/powerpoint/2010/main" val="3355222005"/>
+        <p14:creationId xmlns:p14="http://schemas.microsoft.com/office/powerpoint/2010/main" val="2611804408"/>
       </p:ext>
     </p:extLst>
   </p:cSld>
@@ -6094,7 +6062,7 @@
           <a:p>
             <a:r>
               <a:rPr lang="en-US" dirty="0" smtClean="0"/>
-              <a:t>Find and hold data in the node</a:t>
+              <a:t>XML Loops</a:t>
             </a:r>
             <a:endParaRPr lang="en-US" dirty="0"/>
           </a:p>
@@ -6115,19 +6083,13 @@
           <a:bodyPr/>
           <a:lstStyle/>
           <a:p>
-            <a:r>
-              <a:rPr lang="en-US" dirty="0" smtClean="0"/>
-              <a:t>this refers to the current node selected or found</a:t>
-            </a:r>
-          </a:p>
-          <a:p>
-            <a:endParaRPr lang="en-US" dirty="0"/>
+            <a:endParaRPr lang="en-US"/>
           </a:p>
         </p:txBody>
       </p:sp>
       <p:pic>
         <p:nvPicPr>
-          <p:cNvPr id="6" name="Picture 5" descr="Screen Shot 2013-05-07 at 12.18.25 PM.png"/>
+          <p:cNvPr id="6" name="Picture 5" descr="Screen Shot 2013-05-07 at 12.17.52 PM.png"/>
           <p:cNvPicPr>
             <a:picLocks noChangeAspect="1"/>
           </p:cNvPicPr>
@@ -6147,8 +6109,8 @@
         </p:blipFill>
         <p:spPr>
           <a:xfrm>
-            <a:off x="0" y="3443703"/>
-            <a:ext cx="9144000" cy="1458310"/>
+            <a:off x="0" y="2595562"/>
+            <a:ext cx="9144000" cy="3563697"/>
           </a:xfrm>
           <a:prstGeom prst="rect">
             <a:avLst/>
@@ -6158,7 +6120,7 @@
     </p:spTree>
     <p:extLst>
       <p:ext uri="{BB962C8B-B14F-4D97-AF65-F5344CB8AC3E}">
-        <p14:creationId xmlns:p14="http://schemas.microsoft.com/office/powerpoint/2010/main" val="4159812874"/>
+        <p14:creationId xmlns:p14="http://schemas.microsoft.com/office/powerpoint/2010/main" val="3355222005"/>
       </p:ext>
     </p:extLst>
   </p:cSld>
@@ -6202,7 +6164,7 @@
           <a:p>
             <a:r>
               <a:rPr lang="en-US" dirty="0" smtClean="0"/>
-              <a:t>Nodes and Attributes</a:t>
+              <a:t>Find and hold data in the node</a:t>
             </a:r>
             <a:endParaRPr lang="en-US" dirty="0"/>
           </a:p>
@@ -6225,28 +6187,48 @@
           <a:p>
             <a:r>
               <a:rPr lang="en-US" dirty="0" smtClean="0"/>
-              <a:t>Nodes open and close</a:t>
-            </a:r>
-          </a:p>
-          <a:p>
-            <a:r>
-              <a:rPr lang="en-US" dirty="0" smtClean="0"/>
-              <a:t>Attributes are values associated with a tag. </a:t>
-            </a:r>
-          </a:p>
-          <a:p>
-            <a:r>
-              <a:rPr lang="en-US" dirty="0" smtClean="0"/>
-              <a:t>Retrieve the data differently.</a:t>
-            </a:r>
+              <a:t>this refers to the current node selected or found</a:t>
+            </a:r>
+          </a:p>
+          <a:p>
             <a:endParaRPr lang="en-US" dirty="0"/>
           </a:p>
         </p:txBody>
       </p:sp>
+      <p:pic>
+        <p:nvPicPr>
+          <p:cNvPr id="6" name="Picture 5" descr="Screen Shot 2013-05-07 at 12.18.25 PM.png"/>
+          <p:cNvPicPr>
+            <a:picLocks noChangeAspect="1"/>
+          </p:cNvPicPr>
+          <p:nvPr/>
+        </p:nvPicPr>
+        <p:blipFill>
+          <a:blip r:embed="rId2">
+            <a:extLst>
+              <a:ext uri="{28A0092B-C50C-407E-A947-70E740481C1C}">
+                <a14:useLocalDpi xmlns:a14="http://schemas.microsoft.com/office/drawing/2010/main" val="0"/>
+              </a:ext>
+            </a:extLst>
+          </a:blip>
+          <a:stretch>
+            <a:fillRect/>
+          </a:stretch>
+        </p:blipFill>
+        <p:spPr>
+          <a:xfrm>
+            <a:off x="0" y="3443703"/>
+            <a:ext cx="9144000" cy="1458310"/>
+          </a:xfrm>
+          <a:prstGeom prst="rect">
+            <a:avLst/>
+          </a:prstGeom>
+        </p:spPr>
+      </p:pic>
     </p:spTree>
     <p:extLst>
       <p:ext uri="{BB962C8B-B14F-4D97-AF65-F5344CB8AC3E}">
-        <p14:creationId xmlns:p14="http://schemas.microsoft.com/office/powerpoint/2010/main" val="3057360459"/>
+        <p14:creationId xmlns:p14="http://schemas.microsoft.com/office/powerpoint/2010/main" val="4159812874"/>
       </p:ext>
     </p:extLst>
   </p:cSld>
@@ -6290,19 +6272,7 @@
           <a:p>
             <a:r>
               <a:rPr lang="en-US" dirty="0" smtClean="0"/>
-              <a:t>Add a </a:t>
-            </a:r>
-            <a:r>
-              <a:rPr lang="en-US" dirty="0" err="1" smtClean="0"/>
-              <a:t>var</a:t>
-            </a:r>
-            <a:r>
-              <a:rPr lang="en-US" dirty="0" smtClean="0"/>
-              <a:t> for image </a:t>
-            </a:r>
-            <a:r>
-              <a:rPr lang="en-US" dirty="0" err="1" smtClean="0"/>
-              <a:t>url</a:t>
+              <a:t>Nodes and Attributes</a:t>
             </a:r>
             <a:endParaRPr lang="en-US" dirty="0"/>
           </a:p>
@@ -6325,23 +6295,19 @@
           <a:p>
             <a:r>
               <a:rPr lang="en-US" dirty="0" smtClean="0"/>
-              <a:t>On your own, create a variable called </a:t>
-            </a:r>
-            <a:r>
-              <a:rPr lang="en-US" dirty="0" err="1" smtClean="0"/>
-              <a:t>imageurl</a:t>
-            </a:r>
-            <a:r>
-              <a:rPr lang="en-US" dirty="0" smtClean="0"/>
-              <a:t> and place the </a:t>
-            </a:r>
-            <a:r>
-              <a:rPr lang="en-US" dirty="0" err="1" smtClean="0"/>
-              <a:t>url</a:t>
-            </a:r>
-            <a:r>
-              <a:rPr lang="en-US" dirty="0" smtClean="0"/>
-              <a:t> for the image in that variable.</a:t>
+              <a:t>Nodes open and close</a:t>
+            </a:r>
+          </a:p>
+          <a:p>
+            <a:r>
+              <a:rPr lang="en-US" dirty="0" smtClean="0"/>
+              <a:t>Attributes are values associated with a tag. </a:t>
+            </a:r>
+          </a:p>
+          <a:p>
+            <a:r>
+              <a:rPr lang="en-US" dirty="0" smtClean="0"/>
+              <a:t>Retrieve the data differently.</a:t>
             </a:r>
             <a:endParaRPr lang="en-US" dirty="0"/>
           </a:p>
@@ -6350,7 +6316,7 @@
     </p:spTree>
     <p:extLst>
       <p:ext uri="{BB962C8B-B14F-4D97-AF65-F5344CB8AC3E}">
-        <p14:creationId xmlns:p14="http://schemas.microsoft.com/office/powerpoint/2010/main" val="2704200594"/>
+        <p14:creationId xmlns:p14="http://schemas.microsoft.com/office/powerpoint/2010/main" val="3057360459"/>
       </p:ext>
     </p:extLst>
   </p:cSld>
@@ -6384,7 +6350,7 @@
             <a:spLocks noGrp="1"/>
           </p:cNvSpPr>
           <p:nvPr>
-            <p:ph type="title"/>
+            <p:ph type="ctrTitle"/>
           </p:nvPr>
         </p:nvSpPr>
         <p:spPr/>
@@ -6394,7 +6360,7 @@
           <a:p>
             <a:r>
               <a:rPr lang="en-US" dirty="0" smtClean="0"/>
-              <a:t>What is this AJAX</a:t>
+              <a:t>Intro to AJAX	</a:t>
             </a:r>
             <a:endParaRPr lang="en-US" dirty="0"/>
           </a:p>
@@ -6402,12 +6368,12 @@
       </p:sp>
       <p:sp>
         <p:nvSpPr>
-          <p:cNvPr id="5" name="Content Placeholder 4"/>
-          <p:cNvSpPr>
-            <a:spLocks noGrp="1"/>
-          </p:cNvSpPr>
-          <p:nvPr>
-            <p:ph idx="1"/>
+          <p:cNvPr id="3" name="Subtitle 2"/>
+          <p:cNvSpPr>
+            <a:spLocks noGrp="1"/>
+          </p:cNvSpPr>
+          <p:nvPr>
+            <p:ph type="subTitle" idx="1"/>
           </p:nvPr>
         </p:nvSpPr>
         <p:spPr/>
@@ -6417,41 +6383,21 @@
           <a:p>
             <a:r>
               <a:rPr lang="en-US" dirty="0" smtClean="0"/>
-              <a:t>Asynchronous JavaScript and XML</a:t>
-            </a:r>
-          </a:p>
-          <a:p>
-            <a:r>
-              <a:rPr lang="en-US" dirty="0" smtClean="0"/>
-              <a:t>A group of technologies working together to communicate with a server without interfering with the page or user experience.</a:t>
-            </a:r>
-          </a:p>
-          <a:p>
-            <a:r>
-              <a:rPr lang="en-US" dirty="0" smtClean="0"/>
-              <a:t>Using JavaScript to get data from a server</a:t>
-            </a:r>
-          </a:p>
-          <a:p>
-            <a:r>
-              <a:rPr lang="en-US" dirty="0" smtClean="0"/>
-              <a:t>Bathroom cleaner</a:t>
-            </a:r>
-          </a:p>
-          <a:p>
-            <a:r>
-              <a:rPr lang="en-US" dirty="0" smtClean="0"/>
-              <a:t>Makes web pages web applications</a:t>
-            </a:r>
-          </a:p>
-          <a:p>
-            <a:endParaRPr lang="en-US" dirty="0" smtClean="0"/>
+              <a:t>Introduction to AJAX</a:t>
+            </a:r>
+          </a:p>
+          <a:p>
+            <a:r>
+              <a:rPr lang="en-US" dirty="0" smtClean="0"/>
+              <a:t>AJAX, XML and JSON</a:t>
+            </a:r>
+            <a:endParaRPr lang="en-US" dirty="0"/>
           </a:p>
         </p:txBody>
       </p:sp>
       <p:pic>
         <p:nvPicPr>
-          <p:cNvPr id="6" name="Picture 5" descr="300.jpeg"/>
+          <p:cNvPr id="4" name="Content Placeholder 3" descr="ajax.jpeg"/>
           <p:cNvPicPr>
             <a:picLocks noChangeAspect="1"/>
           </p:cNvPicPr>
@@ -6465,24 +6411,36 @@
               </a:ext>
             </a:extLst>
           </a:blip>
+          <a:srcRect t="1569" b="1569"/>
           <a:stretch>
             <a:fillRect/>
           </a:stretch>
         </p:blipFill>
         <p:spPr>
           <a:xfrm>
-            <a:off x="7209274" y="531945"/>
-            <a:ext cx="1371600" cy="1371600"/>
+            <a:off x="678722" y="0"/>
+            <a:ext cx="4178873" cy="2015600"/>
           </a:xfrm>
           <a:prstGeom prst="rect">
             <a:avLst/>
           </a:prstGeom>
+          <a:solidFill>
+            <a:schemeClr val="bg2">
+              <a:lumMod val="40000"/>
+              <a:lumOff val="60000"/>
+            </a:schemeClr>
+          </a:solidFill>
+          <a:ln w="25400" cap="flat" cmpd="sng" algn="ctr">
+            <a:noFill/>
+            <a:prstDash val="solid"/>
+          </a:ln>
+          <a:effectLst/>
         </p:spPr>
       </p:pic>
     </p:spTree>
     <p:extLst>
       <p:ext uri="{BB962C8B-B14F-4D97-AF65-F5344CB8AC3E}">
-        <p14:creationId xmlns:p14="http://schemas.microsoft.com/office/powerpoint/2010/main" val="2590931036"/>
+        <p14:creationId xmlns:p14="http://schemas.microsoft.com/office/powerpoint/2010/main" val="664979902"/>
       </p:ext>
     </p:extLst>
   </p:cSld>
@@ -6525,70 +6483,68 @@
           <a:lstStyle/>
           <a:p>
             <a:r>
+              <a:rPr lang="en-US" dirty="0" smtClean="0"/>
+              <a:t>Add a </a:t>
+            </a:r>
+            <a:r>
+              <a:rPr lang="en-US" dirty="0" err="1" smtClean="0"/>
+              <a:t>var</a:t>
+            </a:r>
+            <a:r>
+              <a:rPr lang="en-US" dirty="0" smtClean="0"/>
+              <a:t> for image </a:t>
+            </a:r>
+            <a:r>
+              <a:rPr lang="en-US" dirty="0" err="1" smtClean="0"/>
+              <a:t>url</a:t>
+            </a:r>
+            <a:endParaRPr lang="en-US" dirty="0"/>
+          </a:p>
+        </p:txBody>
+      </p:sp>
+      <p:sp>
+        <p:nvSpPr>
+          <p:cNvPr id="3" name="Content Placeholder 2"/>
+          <p:cNvSpPr>
+            <a:spLocks noGrp="1"/>
+          </p:cNvSpPr>
+          <p:nvPr>
+            <p:ph idx="1"/>
+          </p:nvPr>
+        </p:nvSpPr>
+        <p:spPr/>
+        <p:txBody>
+          <a:bodyPr/>
+          <a:lstStyle/>
+          <a:p>
+            <a:r>
+              <a:rPr lang="en-US" dirty="0" smtClean="0"/>
+              <a:t>On your own, create a variable called </a:t>
+            </a:r>
+            <a:r>
               <a:rPr lang="en-US" dirty="0" err="1" smtClean="0"/>
               <a:t>imageurl</a:t>
             </a:r>
             <a:r>
               <a:rPr lang="en-US" dirty="0" smtClean="0"/>
-              <a:t> answer</a:t>
+              <a:t> and place the </a:t>
+            </a:r>
+            <a:r>
+              <a:rPr lang="en-US" dirty="0" err="1" smtClean="0"/>
+              <a:t>url</a:t>
+            </a:r>
+            <a:r>
+              <a:rPr lang="en-US" dirty="0" smtClean="0"/>
+              <a:t> for the image in that variable.</a:t>
             </a:r>
             <a:endParaRPr lang="en-US" dirty="0"/>
           </a:p>
         </p:txBody>
       </p:sp>
-      <p:sp>
-        <p:nvSpPr>
-          <p:cNvPr id="3" name="Content Placeholder 2"/>
-          <p:cNvSpPr>
-            <a:spLocks noGrp="1"/>
-          </p:cNvSpPr>
-          <p:nvPr>
-            <p:ph idx="1"/>
-          </p:nvPr>
-        </p:nvSpPr>
-        <p:spPr/>
-        <p:txBody>
-          <a:bodyPr/>
-          <a:lstStyle/>
-          <a:p>
-            <a:endParaRPr lang="en-US"/>
-          </a:p>
-        </p:txBody>
-      </p:sp>
-      <p:pic>
-        <p:nvPicPr>
-          <p:cNvPr id="5" name="Picture 4" descr="Screen Shot 2013-05-07 at 12.21.35 PM.png"/>
-          <p:cNvPicPr>
-            <a:picLocks noChangeAspect="1"/>
-          </p:cNvPicPr>
-          <p:nvPr/>
-        </p:nvPicPr>
-        <p:blipFill>
-          <a:blip r:embed="rId2">
-            <a:extLst>
-              <a:ext uri="{28A0092B-C50C-407E-A947-70E740481C1C}">
-                <a14:useLocalDpi xmlns:a14="http://schemas.microsoft.com/office/drawing/2010/main" val="0"/>
-              </a:ext>
-            </a:extLst>
-          </a:blip>
-          <a:stretch>
-            <a:fillRect/>
-          </a:stretch>
-        </p:blipFill>
-        <p:spPr>
-          <a:xfrm>
-            <a:off x="0" y="2595562"/>
-            <a:ext cx="9144000" cy="1657034"/>
-          </a:xfrm>
-          <a:prstGeom prst="rect">
-            <a:avLst/>
-          </a:prstGeom>
-        </p:spPr>
-      </p:pic>
     </p:spTree>
     <p:extLst>
       <p:ext uri="{BB962C8B-B14F-4D97-AF65-F5344CB8AC3E}">
-        <p14:creationId xmlns:p14="http://schemas.microsoft.com/office/powerpoint/2010/main" val="2079822059"/>
+        <p14:creationId xmlns:p14="http://schemas.microsoft.com/office/powerpoint/2010/main" val="2704200594"/>
       </p:ext>
     </p:extLst>
   </p:cSld>
@@ -6631,8 +6587,12 @@
           <a:lstStyle/>
           <a:p>
             <a:r>
-              <a:rPr lang="en-US" dirty="0" smtClean="0"/>
-              <a:t>HTML building variable</a:t>
+              <a:rPr lang="en-US" dirty="0" err="1" smtClean="0"/>
+              <a:t>imageurl</a:t>
+            </a:r>
+            <a:r>
+              <a:rPr lang="en-US" dirty="0" smtClean="0"/>
+              <a:t> answer</a:t>
             </a:r>
             <a:endParaRPr lang="en-US" dirty="0"/>
           </a:p>
@@ -6659,7 +6619,7 @@
       </p:sp>
       <p:pic>
         <p:nvPicPr>
-          <p:cNvPr id="4" name="Picture 3" descr="Screen Shot 2013-05-07 at 12.17.52 PM.png"/>
+          <p:cNvPr id="5" name="Picture 4" descr="Screen Shot 2013-05-07 at 12.21.35 PM.png"/>
           <p:cNvPicPr>
             <a:picLocks noChangeAspect="1"/>
           </p:cNvPicPr>
@@ -6679,8 +6639,8 @@
         </p:blipFill>
         <p:spPr>
           <a:xfrm>
-            <a:off x="0" y="2264009"/>
-            <a:ext cx="9144000" cy="3563697"/>
+            <a:off x="0" y="2595562"/>
+            <a:ext cx="9144000" cy="1657034"/>
           </a:xfrm>
           <a:prstGeom prst="rect">
             <a:avLst/>
@@ -6690,7 +6650,7 @@
     </p:spTree>
     <p:extLst>
       <p:ext uri="{BB962C8B-B14F-4D97-AF65-F5344CB8AC3E}">
-        <p14:creationId xmlns:p14="http://schemas.microsoft.com/office/powerpoint/2010/main" val="2364898473"/>
+        <p14:creationId xmlns:p14="http://schemas.microsoft.com/office/powerpoint/2010/main" val="2079822059"/>
       </p:ext>
     </p:extLst>
   </p:cSld>
@@ -6734,7 +6694,7 @@
           <a:p>
             <a:r>
               <a:rPr lang="en-US" dirty="0" smtClean="0"/>
-              <a:t>More dynamic HTML</a:t>
+              <a:t>HTML building variable</a:t>
             </a:r>
             <a:endParaRPr lang="en-US" dirty="0"/>
           </a:p>
@@ -6755,17 +6715,13 @@
           <a:bodyPr/>
           <a:lstStyle/>
           <a:p>
-            <a:r>
-              <a:rPr lang="en-US" dirty="0" smtClean="0"/>
-              <a:t>Build the html of the page using += and calling the dynamic variables</a:t>
-            </a:r>
-            <a:endParaRPr lang="en-US" dirty="0"/>
+            <a:endParaRPr lang="en-US"/>
           </a:p>
         </p:txBody>
       </p:sp>
       <p:pic>
         <p:nvPicPr>
-          <p:cNvPr id="4" name="Picture 3" descr="Screen Shot 2013-02-24 at 11.29.45 PM.png"/>
+          <p:cNvPr id="4" name="Picture 3" descr="Screen Shot 2013-05-07 at 12.17.52 PM.png"/>
           <p:cNvPicPr>
             <a:picLocks noChangeAspect="1"/>
           </p:cNvPicPr>
@@ -6785,8 +6741,8 @@
         </p:blipFill>
         <p:spPr>
           <a:xfrm>
-            <a:off x="0" y="3416349"/>
-            <a:ext cx="9144000" cy="2849980"/>
+            <a:off x="0" y="2264009"/>
+            <a:ext cx="9144000" cy="3563697"/>
           </a:xfrm>
           <a:prstGeom prst="rect">
             <a:avLst/>
@@ -6796,7 +6752,7 @@
     </p:spTree>
     <p:extLst>
       <p:ext uri="{BB962C8B-B14F-4D97-AF65-F5344CB8AC3E}">
-        <p14:creationId xmlns:p14="http://schemas.microsoft.com/office/powerpoint/2010/main" val="1203714857"/>
+        <p14:creationId xmlns:p14="http://schemas.microsoft.com/office/powerpoint/2010/main" val="2364898473"/>
       </p:ext>
     </p:extLst>
   </p:cSld>
@@ -6840,7 +6796,7 @@
           <a:p>
             <a:r>
               <a:rPr lang="en-US" dirty="0" smtClean="0"/>
-              <a:t>Showing Off!</a:t>
+              <a:t>More dynamic HTML</a:t>
             </a:r>
             <a:endParaRPr lang="en-US" dirty="0"/>
           </a:p>
@@ -6861,13 +6817,17 @@
           <a:bodyPr/>
           <a:lstStyle/>
           <a:p>
-            <a:endParaRPr lang="en-US"/>
+            <a:r>
+              <a:rPr lang="en-US" dirty="0" smtClean="0"/>
+              <a:t>Build the html of the page using += and calling the dynamic variables</a:t>
+            </a:r>
+            <a:endParaRPr lang="en-US" dirty="0"/>
           </a:p>
         </p:txBody>
       </p:sp>
       <p:pic>
         <p:nvPicPr>
-          <p:cNvPr id="4" name="Picture 3" descr="Screen Shot 2013-02-24 at 11.30.51 PM.png"/>
+          <p:cNvPr id="4" name="Picture 3" descr="Screen Shot 2013-02-24 at 11.29.45 PM.png"/>
           <p:cNvPicPr>
             <a:picLocks noChangeAspect="1"/>
           </p:cNvPicPr>
@@ -6887,8 +6847,8 @@
         </p:blipFill>
         <p:spPr>
           <a:xfrm>
-            <a:off x="0" y="2360593"/>
-            <a:ext cx="8534400" cy="2768600"/>
+            <a:off x="0" y="3416349"/>
+            <a:ext cx="9144000" cy="2849980"/>
           </a:xfrm>
           <a:prstGeom prst="rect">
             <a:avLst/>
@@ -6898,7 +6858,7 @@
     </p:spTree>
     <p:extLst>
       <p:ext uri="{BB962C8B-B14F-4D97-AF65-F5344CB8AC3E}">
-        <p14:creationId xmlns:p14="http://schemas.microsoft.com/office/powerpoint/2010/main" val="2300582834"/>
+        <p14:creationId xmlns:p14="http://schemas.microsoft.com/office/powerpoint/2010/main" val="1203714857"/>
       </p:ext>
     </p:extLst>
   </p:cSld>
@@ -6935,19 +6895,14 @@
             <p:ph type="title"/>
           </p:nvPr>
         </p:nvSpPr>
-        <p:spPr>
-          <a:xfrm>
-            <a:off x="0" y="272695"/>
-            <a:ext cx="8913813" cy="914400"/>
-          </a:xfrm>
-        </p:spPr>
-        <p:txBody>
-          <a:bodyPr/>
-          <a:lstStyle/>
-          <a:p>
-            <a:r>
-              <a:rPr lang="en-US" dirty="0" smtClean="0"/>
-              <a:t>Entire Script</a:t>
+        <p:spPr/>
+        <p:txBody>
+          <a:bodyPr/>
+          <a:lstStyle/>
+          <a:p>
+            <a:r>
+              <a:rPr lang="en-US" dirty="0" smtClean="0"/>
+              <a:t>Showing Off!</a:t>
             </a:r>
             <a:endParaRPr lang="en-US" dirty="0"/>
           </a:p>
@@ -6974,7 +6929,7 @@
       </p:sp>
       <p:pic>
         <p:nvPicPr>
-          <p:cNvPr id="5" name="Picture 4" descr="Screen Shot 2013-05-07 at 12.24.37 PM.png"/>
+          <p:cNvPr id="4" name="Picture 3" descr="Screen Shot 2013-02-24 at 11.30.51 PM.png"/>
           <p:cNvPicPr>
             <a:picLocks noChangeAspect="1"/>
           </p:cNvPicPr>
@@ -6994,8 +6949,8 @@
         </p:blipFill>
         <p:spPr>
           <a:xfrm>
-            <a:off x="1" y="997857"/>
-            <a:ext cx="7486222" cy="5860142"/>
+            <a:off x="0" y="2360593"/>
+            <a:ext cx="8534400" cy="2768600"/>
           </a:xfrm>
           <a:prstGeom prst="rect">
             <a:avLst/>
@@ -7005,7 +6960,7 @@
     </p:spTree>
     <p:extLst>
       <p:ext uri="{BB962C8B-B14F-4D97-AF65-F5344CB8AC3E}">
-        <p14:creationId xmlns:p14="http://schemas.microsoft.com/office/powerpoint/2010/main" val="1850463040"/>
+        <p14:creationId xmlns:p14="http://schemas.microsoft.com/office/powerpoint/2010/main" val="2300582834"/>
       </p:ext>
     </p:extLst>
   </p:cSld>
@@ -7042,6 +6997,113 @@
             <p:ph type="title"/>
           </p:nvPr>
         </p:nvSpPr>
+        <p:spPr>
+          <a:xfrm>
+            <a:off x="0" y="272695"/>
+            <a:ext cx="8913813" cy="914400"/>
+          </a:xfrm>
+        </p:spPr>
+        <p:txBody>
+          <a:bodyPr/>
+          <a:lstStyle/>
+          <a:p>
+            <a:r>
+              <a:rPr lang="en-US" dirty="0" smtClean="0"/>
+              <a:t>Entire Script</a:t>
+            </a:r>
+            <a:endParaRPr lang="en-US" dirty="0"/>
+          </a:p>
+        </p:txBody>
+      </p:sp>
+      <p:sp>
+        <p:nvSpPr>
+          <p:cNvPr id="3" name="Content Placeholder 2"/>
+          <p:cNvSpPr>
+            <a:spLocks noGrp="1"/>
+          </p:cNvSpPr>
+          <p:nvPr>
+            <p:ph idx="1"/>
+          </p:nvPr>
+        </p:nvSpPr>
+        <p:spPr/>
+        <p:txBody>
+          <a:bodyPr/>
+          <a:lstStyle/>
+          <a:p>
+            <a:endParaRPr lang="en-US"/>
+          </a:p>
+        </p:txBody>
+      </p:sp>
+      <p:pic>
+        <p:nvPicPr>
+          <p:cNvPr id="5" name="Picture 4" descr="Screen Shot 2013-05-07 at 12.24.37 PM.png"/>
+          <p:cNvPicPr>
+            <a:picLocks noChangeAspect="1"/>
+          </p:cNvPicPr>
+          <p:nvPr/>
+        </p:nvPicPr>
+        <p:blipFill>
+          <a:blip r:embed="rId2">
+            <a:extLst>
+              <a:ext uri="{28A0092B-C50C-407E-A947-70E740481C1C}">
+                <a14:useLocalDpi xmlns:a14="http://schemas.microsoft.com/office/drawing/2010/main" val="0"/>
+              </a:ext>
+            </a:extLst>
+          </a:blip>
+          <a:stretch>
+            <a:fillRect/>
+          </a:stretch>
+        </p:blipFill>
+        <p:spPr>
+          <a:xfrm>
+            <a:off x="1" y="997857"/>
+            <a:ext cx="7486222" cy="5860142"/>
+          </a:xfrm>
+          <a:prstGeom prst="rect">
+            <a:avLst/>
+          </a:prstGeom>
+        </p:spPr>
+      </p:pic>
+    </p:spTree>
+    <p:extLst>
+      <p:ext uri="{BB962C8B-B14F-4D97-AF65-F5344CB8AC3E}">
+        <p14:creationId xmlns:p14="http://schemas.microsoft.com/office/powerpoint/2010/main" val="1850463040"/>
+      </p:ext>
+    </p:extLst>
+  </p:cSld>
+  <p:clrMapOvr>
+    <a:masterClrMapping/>
+  </p:clrMapOvr>
+</p:sld>
+</file>
+
+<file path=ppt/slides/slide26.xml><?xml version="1.0" encoding="utf-8"?>
+<p:sld xmlns:a="http://schemas.openxmlformats.org/drawingml/2006/main" xmlns:r="http://schemas.openxmlformats.org/officeDocument/2006/relationships" xmlns:p="http://schemas.openxmlformats.org/presentationml/2006/main">
+  <p:cSld>
+    <p:spTree>
+      <p:nvGrpSpPr>
+        <p:cNvPr id="1" name=""/>
+        <p:cNvGrpSpPr/>
+        <p:nvPr/>
+      </p:nvGrpSpPr>
+      <p:grpSpPr>
+        <a:xfrm>
+          <a:off x="0" y="0"/>
+          <a:ext cx="0" cy="0"/>
+          <a:chOff x="0" y="0"/>
+          <a:chExt cx="0" cy="0"/>
+        </a:xfrm>
+      </p:grpSpPr>
+      <p:sp>
+        <p:nvSpPr>
+          <p:cNvPr id="2" name="Title 1"/>
+          <p:cNvSpPr>
+            <a:spLocks noGrp="1"/>
+          </p:cNvSpPr>
+          <p:nvPr>
+            <p:ph type="title"/>
+          </p:nvPr>
+        </p:nvSpPr>
         <p:spPr/>
         <p:txBody>
           <a:bodyPr/>
@@ -7086,11 +7148,7 @@
             </a:r>
             <a:r>
               <a:rPr lang="en-US" dirty="0" smtClean="0"/>
-              <a:t> </a:t>
-            </a:r>
-            <a:r>
-              <a:rPr lang="en-US" dirty="0" smtClean="0"/>
-              <a:t>and save as </a:t>
+              <a:t> and save as </a:t>
             </a:r>
             <a:r>
               <a:rPr lang="en-US" dirty="0" err="1" smtClean="0"/>
@@ -7124,7 +7182,7 @@
 </p:sld>
 </file>
 
-<file path=ppt/slides/slide26.xml><?xml version="1.0" encoding="utf-8"?>
+<file path=ppt/slides/slide27.xml><?xml version="1.0" encoding="utf-8"?>
 <p:sld xmlns:a="http://schemas.openxmlformats.org/drawingml/2006/main" xmlns:r="http://schemas.openxmlformats.org/officeDocument/2006/relationships" xmlns:p="http://schemas.openxmlformats.org/presentationml/2006/main">
   <p:cSld>
     <p:spTree>
@@ -7213,14 +7271,12 @@
         </p:nvSpPr>
         <p:spPr/>
         <p:txBody>
-          <a:bodyPr>
-            <a:normAutofit fontScale="90000"/>
-          </a:bodyPr>
-          <a:lstStyle/>
-          <a:p>
-            <a:r>
-              <a:rPr lang="en-US" dirty="0" smtClean="0"/>
-              <a:t>A buzzword for something you use every day!</a:t>
+          <a:bodyPr/>
+          <a:lstStyle/>
+          <a:p>
+            <a:r>
+              <a:rPr lang="en-US" dirty="0" smtClean="0"/>
+              <a:t>What is this AJAX</a:t>
             </a:r>
             <a:endParaRPr lang="en-US" dirty="0"/>
           </a:p>
@@ -7228,7 +7284,7 @@
       </p:sp>
       <p:sp>
         <p:nvSpPr>
-          <p:cNvPr id="3" name="Content Placeholder 2"/>
+          <p:cNvPr id="5" name="Content Placeholder 4"/>
           <p:cNvSpPr>
             <a:spLocks noGrp="1"/>
           </p:cNvSpPr>
@@ -7243,25 +7299,31 @@
           <a:p>
             <a:r>
               <a:rPr lang="en-US" dirty="0" smtClean="0"/>
-              <a:t>Form Validation</a:t>
-            </a:r>
-          </a:p>
-          <a:p>
-            <a:r>
-              <a:rPr lang="en-US" dirty="0" smtClean="0"/>
-              <a:t>Search Engines</a:t>
-            </a:r>
-          </a:p>
-          <a:p>
-            <a:r>
-              <a:rPr lang="en-US" dirty="0" smtClean="0"/>
-              <a:t>Shopping carts</a:t>
-            </a:r>
-          </a:p>
-          <a:p>
-            <a:r>
-              <a:rPr lang="en-US" dirty="0" smtClean="0"/>
-              <a:t>Data Applications</a:t>
+              <a:t>Asynchronous JavaScript and XML</a:t>
+            </a:r>
+          </a:p>
+          <a:p>
+            <a:r>
+              <a:rPr lang="en-US" dirty="0" smtClean="0"/>
+              <a:t>A group of technologies working together to communicate with a server without interfering with the page or user experience.</a:t>
+            </a:r>
+          </a:p>
+          <a:p>
+            <a:r>
+              <a:rPr lang="en-US" dirty="0" smtClean="0"/>
+              <a:t>Using JavaScript to get data from a server</a:t>
+            </a:r>
+          </a:p>
+          <a:p>
+            <a:r>
+              <a:rPr lang="en-US" dirty="0" smtClean="0"/>
+              <a:t>Bathroom cleaner</a:t>
+            </a:r>
+          </a:p>
+          <a:p>
+            <a:r>
+              <a:rPr lang="en-US" dirty="0" smtClean="0"/>
+              <a:t>Makes web pages web applications</a:t>
             </a:r>
           </a:p>
           <a:p>
@@ -7269,10 +7331,40 @@
           </a:p>
         </p:txBody>
       </p:sp>
+      <p:pic>
+        <p:nvPicPr>
+          <p:cNvPr id="6" name="Picture 5" descr="300.jpeg"/>
+          <p:cNvPicPr>
+            <a:picLocks noChangeAspect="1"/>
+          </p:cNvPicPr>
+          <p:nvPr/>
+        </p:nvPicPr>
+        <p:blipFill>
+          <a:blip r:embed="rId2">
+            <a:extLst>
+              <a:ext uri="{28A0092B-C50C-407E-A947-70E740481C1C}">
+                <a14:useLocalDpi xmlns:a14="http://schemas.microsoft.com/office/drawing/2010/main" val="0"/>
+              </a:ext>
+            </a:extLst>
+          </a:blip>
+          <a:stretch>
+            <a:fillRect/>
+          </a:stretch>
+        </p:blipFill>
+        <p:spPr>
+          <a:xfrm>
+            <a:off x="7209274" y="531945"/>
+            <a:ext cx="1371600" cy="1371600"/>
+          </a:xfrm>
+          <a:prstGeom prst="rect">
+            <a:avLst/>
+          </a:prstGeom>
+        </p:spPr>
+      </p:pic>
     </p:spTree>
     <p:extLst>
       <p:ext uri="{BB962C8B-B14F-4D97-AF65-F5344CB8AC3E}">
-        <p14:creationId xmlns:p14="http://schemas.microsoft.com/office/powerpoint/2010/main" val="85128765"/>
+        <p14:creationId xmlns:p14="http://schemas.microsoft.com/office/powerpoint/2010/main" val="2590931036"/>
       </p:ext>
     </p:extLst>
   </p:cSld>
@@ -7309,19 +7401,16 @@
             <p:ph type="title"/>
           </p:nvPr>
         </p:nvSpPr>
-        <p:spPr>
-          <a:xfrm>
-            <a:off x="0" y="209456"/>
-            <a:ext cx="8913813" cy="914400"/>
-          </a:xfrm>
-        </p:spPr>
-        <p:txBody>
-          <a:bodyPr/>
-          <a:lstStyle/>
-          <a:p>
-            <a:r>
-              <a:rPr lang="en-US" dirty="0" smtClean="0"/>
-              <a:t>Computer Nerd History</a:t>
+        <p:spPr/>
+        <p:txBody>
+          <a:bodyPr>
+            <a:normAutofit fontScale="90000"/>
+          </a:bodyPr>
+          <a:lstStyle/>
+          <a:p>
+            <a:r>
+              <a:rPr lang="en-US" dirty="0" smtClean="0"/>
+              <a:t>A buzzword for something you use every day!</a:t>
             </a:r>
             <a:endParaRPr lang="en-US" dirty="0"/>
           </a:p>
@@ -7337,161 +7426,43 @@
             <p:ph idx="1"/>
           </p:nvPr>
         </p:nvSpPr>
-        <p:spPr>
-          <a:xfrm>
-            <a:off x="1021869" y="1139893"/>
-            <a:ext cx="7610476" cy="3670767"/>
-          </a:xfrm>
-        </p:spPr>
-        <p:txBody>
-          <a:bodyPr/>
-          <a:lstStyle/>
-          <a:p>
-            <a:r>
-              <a:rPr lang="en-US" dirty="0" smtClean="0"/>
-              <a:t>Term coined February 18</a:t>
-            </a:r>
-            <a:r>
-              <a:rPr lang="en-US" baseline="30000" dirty="0" smtClean="0"/>
-              <a:t>th</a:t>
-            </a:r>
-            <a:r>
-              <a:rPr lang="en-US" dirty="0" smtClean="0"/>
-              <a:t> 2005 by Jesse James Garnett on an article that defined what we know of today as a web application</a:t>
-            </a:r>
-          </a:p>
-          <a:p>
-            <a:r>
-              <a:rPr lang="en-US" dirty="0" smtClean="0"/>
-              <a:t>It was Ajax (not AJAX) and not an acronym.</a:t>
-            </a:r>
-          </a:p>
-          <a:p>
-            <a:pPr marL="349250" lvl="1" indent="0">
-              <a:buNone/>
-            </a:pPr>
-            <a:endParaRPr lang="en-US" dirty="0"/>
-          </a:p>
-        </p:txBody>
-      </p:sp>
-      <p:pic>
-        <p:nvPicPr>
-          <p:cNvPr id="4" name="Picture 3" descr="Screen Shot 2013-02-24 at 10.22.23 PM.png"/>
-          <p:cNvPicPr>
-            <a:picLocks noChangeAspect="1"/>
-          </p:cNvPicPr>
-          <p:nvPr/>
-        </p:nvPicPr>
-        <p:blipFill>
-          <a:blip r:embed="rId2">
-            <a:extLst>
-              <a:ext uri="{28A0092B-C50C-407E-A947-70E740481C1C}">
-                <a14:useLocalDpi xmlns:a14="http://schemas.microsoft.com/office/drawing/2010/main" val="0"/>
-              </a:ext>
-            </a:extLst>
-          </a:blip>
-          <a:stretch>
-            <a:fillRect/>
-          </a:stretch>
-        </p:blipFill>
-        <p:spPr>
-          <a:xfrm>
-            <a:off x="301145" y="3194944"/>
-            <a:ext cx="8331200" cy="2844800"/>
-          </a:xfrm>
-          <a:prstGeom prst="rect">
-            <a:avLst/>
-          </a:prstGeom>
-        </p:spPr>
-      </p:pic>
-      <p:sp>
-        <p:nvSpPr>
-          <p:cNvPr id="5" name="Rectangle 4"/>
-          <p:cNvSpPr/>
-          <p:nvPr/>
-        </p:nvSpPr>
-        <p:spPr>
-          <a:xfrm>
-            <a:off x="157119" y="6396335"/>
-            <a:ext cx="9309301" cy="307777"/>
-          </a:xfrm>
-          <a:prstGeom prst="rect">
-            <a:avLst/>
-          </a:prstGeom>
-        </p:spPr>
-        <p:txBody>
-          <a:bodyPr wrap="square">
-            <a:spAutoFit/>
-          </a:bodyPr>
-          <a:lstStyle/>
-          <a:p>
-            <a:r>
-              <a:rPr lang="en-US" sz="1400" dirty="0" smtClean="0">
-                <a:solidFill>
-                  <a:schemeClr val="bg1">
-                    <a:lumMod val="65000"/>
-                  </a:schemeClr>
-                </a:solidFill>
-              </a:rPr>
-              <a:t>Source: Garnet, J. 2005: http</a:t>
-            </a:r>
-            <a:r>
-              <a:rPr lang="en-US" sz="1400" dirty="0">
-                <a:solidFill>
-                  <a:schemeClr val="bg1">
-                    <a:lumMod val="65000"/>
-                  </a:schemeClr>
-                </a:solidFill>
-              </a:rPr>
-              <a:t>://</a:t>
-            </a:r>
-            <a:r>
-              <a:rPr lang="en-US" sz="1400" dirty="0" err="1">
-                <a:solidFill>
-                  <a:schemeClr val="bg1">
-                    <a:lumMod val="65000"/>
-                  </a:schemeClr>
-                </a:solidFill>
-              </a:rPr>
-              <a:t>www.adaptivepath.com</a:t>
-            </a:r>
-            <a:r>
-              <a:rPr lang="en-US" sz="1400" dirty="0">
-                <a:solidFill>
-                  <a:schemeClr val="bg1">
-                    <a:lumMod val="65000"/>
-                  </a:schemeClr>
-                </a:solidFill>
-              </a:rPr>
-              <a:t>/ideas/</a:t>
-            </a:r>
-            <a:r>
-              <a:rPr lang="en-US" sz="1400" dirty="0" err="1">
-                <a:solidFill>
-                  <a:schemeClr val="bg1">
-                    <a:lumMod val="65000"/>
-                  </a:schemeClr>
-                </a:solidFill>
-              </a:rPr>
-              <a:t>ajax</a:t>
-            </a:r>
-            <a:r>
-              <a:rPr lang="en-US" sz="1400" dirty="0">
-                <a:solidFill>
-                  <a:schemeClr val="bg1">
-                    <a:lumMod val="65000"/>
-                  </a:schemeClr>
-                </a:solidFill>
-              </a:rPr>
-              <a:t>-new-approach-web-applications</a:t>
-            </a:r>
+        <p:spPr/>
+        <p:txBody>
+          <a:bodyPr/>
+          <a:lstStyle/>
+          <a:p>
+            <a:r>
+              <a:rPr lang="en-US" dirty="0" smtClean="0"/>
+              <a:t>Form Validation</a:t>
+            </a:r>
+          </a:p>
+          <a:p>
+            <a:r>
+              <a:rPr lang="en-US" dirty="0" smtClean="0"/>
+              <a:t>Search Engines</a:t>
+            </a:r>
+          </a:p>
+          <a:p>
+            <a:r>
+              <a:rPr lang="en-US" dirty="0" smtClean="0"/>
+              <a:t>Shopping carts</a:t>
+            </a:r>
+          </a:p>
+          <a:p>
+            <a:r>
+              <a:rPr lang="en-US" dirty="0" smtClean="0"/>
+              <a:t>Data Applications</a:t>
+            </a:r>
+          </a:p>
+          <a:p>
+            <a:endParaRPr lang="en-US" dirty="0" smtClean="0"/>
           </a:p>
         </p:txBody>
       </p:sp>
     </p:spTree>
     <p:extLst>
       <p:ext uri="{BB962C8B-B14F-4D97-AF65-F5344CB8AC3E}">
-        <p14:creationId xmlns:p14="http://schemas.microsoft.com/office/powerpoint/2010/main" val="282493829"/>
+        <p14:creationId xmlns:p14="http://schemas.microsoft.com/office/powerpoint/2010/main" val="85128765"/>
       </p:ext>
     </p:extLst>
   </p:cSld>
@@ -7540,7 +7511,7 @@
           <a:p>
             <a:r>
               <a:rPr lang="en-US" dirty="0" smtClean="0"/>
-              <a:t>XML</a:t>
+              <a:t>Computer Nerd History</a:t>
             </a:r>
             <a:endParaRPr lang="en-US" dirty="0"/>
           </a:p>
@@ -7558,76 +7529,159 @@
         </p:nvSpPr>
         <p:spPr>
           <a:xfrm>
-            <a:off x="302642" y="1139893"/>
-            <a:ext cx="8841357" cy="5433312"/>
-          </a:xfrm>
-        </p:spPr>
-        <p:txBody>
-          <a:bodyPr/>
-          <a:lstStyle/>
-          <a:p>
-            <a:r>
-              <a:rPr lang="en-US" dirty="0" smtClean="0"/>
-              <a:t>Extensible Markup Language</a:t>
-            </a:r>
-          </a:p>
-          <a:p>
-            <a:r>
-              <a:rPr lang="en-US" dirty="0" smtClean="0"/>
-              <a:t>Structured Data Format</a:t>
-            </a:r>
-          </a:p>
-          <a:p>
-            <a:r>
-              <a:rPr lang="en-US" dirty="0" smtClean="0"/>
-              <a:t>Easy to transport and store (load and save)</a:t>
-            </a:r>
-          </a:p>
-          <a:p>
-            <a:r>
-              <a:rPr lang="en-US" dirty="0" smtClean="0"/>
-              <a:t>Human Readable</a:t>
-            </a:r>
-          </a:p>
-          <a:p>
-            <a:r>
-              <a:rPr lang="en-US" dirty="0" smtClean="0"/>
-              <a:t>Well-formed (required to open and close tags)</a:t>
-            </a:r>
-          </a:p>
-          <a:p>
-            <a:r>
-              <a:rPr lang="en-US" dirty="0" smtClean="0"/>
-              <a:t>Tags are intuitive and custom</a:t>
-            </a:r>
-          </a:p>
-          <a:p>
-            <a:r>
-              <a:rPr lang="en-US" dirty="0" smtClean="0"/>
-              <a:t>Easily programed</a:t>
-            </a:r>
-          </a:p>
-          <a:p>
-            <a:r>
-              <a:rPr lang="en-US" dirty="0" smtClean="0"/>
-              <a:t>You can do a lot more with XML than we will ever touch.</a:t>
-            </a:r>
-          </a:p>
-          <a:p>
-            <a:endParaRPr lang="en-US" dirty="0" smtClean="0"/>
-          </a:p>
-          <a:p>
-            <a:endParaRPr lang="en-US" dirty="0" smtClean="0"/>
-          </a:p>
-          <a:p>
+            <a:off x="1021869" y="1139893"/>
+            <a:ext cx="7610476" cy="3670767"/>
+          </a:xfrm>
+        </p:spPr>
+        <p:txBody>
+          <a:bodyPr/>
+          <a:lstStyle/>
+          <a:p>
+            <a:r>
+              <a:rPr lang="en-US" dirty="0" smtClean="0"/>
+              <a:t>Term coined February 18</a:t>
+            </a:r>
+            <a:r>
+              <a:rPr lang="en-US" baseline="30000" dirty="0" smtClean="0"/>
+              <a:t>th</a:t>
+            </a:r>
+            <a:r>
+              <a:rPr lang="en-US" dirty="0" smtClean="0"/>
+              <a:t> 2005 by Jesse James Garnett on an article that defined what we know of today as a web application</a:t>
+            </a:r>
+          </a:p>
+          <a:p>
+            <a:r>
+              <a:rPr lang="en-US" dirty="0" smtClean="0"/>
+              <a:t>It was Ajax (not AJAX) and not an acronym.</a:t>
+            </a:r>
+          </a:p>
+          <a:p>
+            <a:pPr marL="349250" lvl="1" indent="0">
+              <a:buNone/>
+            </a:pPr>
             <a:endParaRPr lang="en-US" dirty="0"/>
+          </a:p>
+        </p:txBody>
+      </p:sp>
+      <p:pic>
+        <p:nvPicPr>
+          <p:cNvPr id="4" name="Picture 3" descr="Screen Shot 2013-02-24 at 10.22.23 PM.png"/>
+          <p:cNvPicPr>
+            <a:picLocks noChangeAspect="1"/>
+          </p:cNvPicPr>
+          <p:nvPr/>
+        </p:nvPicPr>
+        <p:blipFill>
+          <a:blip r:embed="rId2">
+            <a:extLst>
+              <a:ext uri="{28A0092B-C50C-407E-A947-70E740481C1C}">
+                <a14:useLocalDpi xmlns:a14="http://schemas.microsoft.com/office/drawing/2010/main" val="0"/>
+              </a:ext>
+            </a:extLst>
+          </a:blip>
+          <a:stretch>
+            <a:fillRect/>
+          </a:stretch>
+        </p:blipFill>
+        <p:spPr>
+          <a:xfrm>
+            <a:off x="301145" y="3194944"/>
+            <a:ext cx="8331200" cy="2844800"/>
+          </a:xfrm>
+          <a:prstGeom prst="rect">
+            <a:avLst/>
+          </a:prstGeom>
+        </p:spPr>
+      </p:pic>
+      <p:sp>
+        <p:nvSpPr>
+          <p:cNvPr id="5" name="Rectangle 4"/>
+          <p:cNvSpPr/>
+          <p:nvPr/>
+        </p:nvSpPr>
+        <p:spPr>
+          <a:xfrm>
+            <a:off x="157119" y="6396335"/>
+            <a:ext cx="9309301" cy="307777"/>
+          </a:xfrm>
+          <a:prstGeom prst="rect">
+            <a:avLst/>
+          </a:prstGeom>
+        </p:spPr>
+        <p:txBody>
+          <a:bodyPr wrap="square">
+            <a:spAutoFit/>
+          </a:bodyPr>
+          <a:lstStyle/>
+          <a:p>
+            <a:r>
+              <a:rPr lang="en-US" sz="1400" dirty="0" smtClean="0">
+                <a:solidFill>
+                  <a:schemeClr val="bg1">
+                    <a:lumMod val="65000"/>
+                  </a:schemeClr>
+                </a:solidFill>
+              </a:rPr>
+              <a:t>Source: Garnet, J. 2005: http</a:t>
+            </a:r>
+            <a:r>
+              <a:rPr lang="en-US" sz="1400" dirty="0">
+                <a:solidFill>
+                  <a:schemeClr val="bg1">
+                    <a:lumMod val="65000"/>
+                  </a:schemeClr>
+                </a:solidFill>
+              </a:rPr>
+              <a:t>://</a:t>
+            </a:r>
+            <a:r>
+              <a:rPr lang="en-US" sz="1400" dirty="0" err="1">
+                <a:solidFill>
+                  <a:schemeClr val="bg1">
+                    <a:lumMod val="65000"/>
+                  </a:schemeClr>
+                </a:solidFill>
+              </a:rPr>
+              <a:t>www.adaptivepath.com</a:t>
+            </a:r>
+            <a:r>
+              <a:rPr lang="en-US" sz="1400" dirty="0">
+                <a:solidFill>
+                  <a:schemeClr val="bg1">
+                    <a:lumMod val="65000"/>
+                  </a:schemeClr>
+                </a:solidFill>
+              </a:rPr>
+              <a:t>/ideas/</a:t>
+            </a:r>
+            <a:r>
+              <a:rPr lang="en-US" sz="1400" dirty="0" err="1">
+                <a:solidFill>
+                  <a:schemeClr val="bg1">
+                    <a:lumMod val="65000"/>
+                  </a:schemeClr>
+                </a:solidFill>
+              </a:rPr>
+              <a:t>ajax</a:t>
+            </a:r>
+            <a:r>
+              <a:rPr lang="en-US" sz="1400" dirty="0">
+                <a:solidFill>
+                  <a:schemeClr val="bg1">
+                    <a:lumMod val="65000"/>
+                  </a:schemeClr>
+                </a:solidFill>
+              </a:rPr>
+              <a:t>-new-approach-web-applications</a:t>
+            </a:r>
           </a:p>
         </p:txBody>
       </p:sp>
     </p:spTree>
     <p:extLst>
       <p:ext uri="{BB962C8B-B14F-4D97-AF65-F5344CB8AC3E}">
-        <p14:creationId xmlns:p14="http://schemas.microsoft.com/office/powerpoint/2010/main" val="1618217333"/>
+        <p14:creationId xmlns:p14="http://schemas.microsoft.com/office/powerpoint/2010/main" val="282493829"/>
       </p:ext>
     </p:extLst>
   </p:cSld>
@@ -7676,7 +7730,7 @@
           <a:p>
             <a:r>
               <a:rPr lang="en-US" dirty="0" smtClean="0"/>
-              <a:t>Example XML</a:t>
+              <a:t>XML</a:t>
             </a:r>
             <a:endParaRPr lang="en-US" dirty="0"/>
           </a:p>
@@ -7702,44 +7756,68 @@
           <a:bodyPr/>
           <a:lstStyle/>
           <a:p>
+            <a:r>
+              <a:rPr lang="en-US" dirty="0" smtClean="0"/>
+              <a:t>Extensible Markup Language</a:t>
+            </a:r>
+          </a:p>
+          <a:p>
+            <a:r>
+              <a:rPr lang="en-US" dirty="0" smtClean="0"/>
+              <a:t>Structured Data Format</a:t>
+            </a:r>
+          </a:p>
+          <a:p>
+            <a:r>
+              <a:rPr lang="en-US" dirty="0" smtClean="0"/>
+              <a:t>Easy to transport and store (load and save)</a:t>
+            </a:r>
+          </a:p>
+          <a:p>
+            <a:r>
+              <a:rPr lang="en-US" dirty="0" smtClean="0"/>
+              <a:t>Human Readable</a:t>
+            </a:r>
+          </a:p>
+          <a:p>
+            <a:r>
+              <a:rPr lang="en-US" dirty="0" smtClean="0"/>
+              <a:t>Well-formed (required to open and close tags)</a:t>
+            </a:r>
+          </a:p>
+          <a:p>
+            <a:r>
+              <a:rPr lang="en-US" dirty="0" smtClean="0"/>
+              <a:t>Tags are intuitive and custom</a:t>
+            </a:r>
+          </a:p>
+          <a:p>
+            <a:r>
+              <a:rPr lang="en-US" dirty="0" smtClean="0"/>
+              <a:t>Easily programed</a:t>
+            </a:r>
+          </a:p>
+          <a:p>
+            <a:r>
+              <a:rPr lang="en-US" dirty="0" smtClean="0"/>
+              <a:t>You can do a lot more with XML than we will ever touch.</a:t>
+            </a:r>
+          </a:p>
+          <a:p>
+            <a:endParaRPr lang="en-US" dirty="0" smtClean="0"/>
+          </a:p>
+          <a:p>
+            <a:endParaRPr lang="en-US" dirty="0" smtClean="0"/>
+          </a:p>
+          <a:p>
             <a:endParaRPr lang="en-US" dirty="0"/>
           </a:p>
         </p:txBody>
       </p:sp>
-      <p:pic>
-        <p:nvPicPr>
-          <p:cNvPr id="4" name="Picture 3" descr="Screen Shot 2013-02-24 at 10.44.49 PM.png"/>
-          <p:cNvPicPr>
-            <a:picLocks noChangeAspect="1"/>
-          </p:cNvPicPr>
-          <p:nvPr/>
-        </p:nvPicPr>
-        <p:blipFill>
-          <a:blip r:embed="rId2">
-            <a:extLst>
-              <a:ext uri="{28A0092B-C50C-407E-A947-70E740481C1C}">
-                <a14:useLocalDpi xmlns:a14="http://schemas.microsoft.com/office/drawing/2010/main" val="0"/>
-              </a:ext>
-            </a:extLst>
-          </a:blip>
-          <a:stretch>
-            <a:fillRect/>
-          </a:stretch>
-        </p:blipFill>
-        <p:spPr>
-          <a:xfrm>
-            <a:off x="0" y="1233142"/>
-            <a:ext cx="9144000" cy="5624858"/>
-          </a:xfrm>
-          <a:prstGeom prst="rect">
-            <a:avLst/>
-          </a:prstGeom>
-        </p:spPr>
-      </p:pic>
     </p:spTree>
     <p:extLst>
       <p:ext uri="{BB962C8B-B14F-4D97-AF65-F5344CB8AC3E}">
-        <p14:creationId xmlns:p14="http://schemas.microsoft.com/office/powerpoint/2010/main" val="825390830"/>
+        <p14:creationId xmlns:p14="http://schemas.microsoft.com/office/powerpoint/2010/main" val="1618217333"/>
       </p:ext>
     </p:extLst>
   </p:cSld>
@@ -7788,7 +7866,7 @@
           <a:p>
             <a:r>
               <a:rPr lang="en-US" dirty="0" smtClean="0"/>
-              <a:t>JSON</a:t>
+              <a:t>Example XML</a:t>
             </a:r>
             <a:endParaRPr lang="en-US" dirty="0"/>
           </a:p>
@@ -7814,68 +7892,44 @@
           <a:bodyPr/>
           <a:lstStyle/>
           <a:p>
-            <a:r>
-              <a:rPr lang="en-US" dirty="0" smtClean="0"/>
-              <a:t>JavaScript Object Notation</a:t>
-            </a:r>
-          </a:p>
-          <a:p>
-            <a:r>
-              <a:rPr lang="en-US" dirty="0" smtClean="0"/>
-              <a:t>Structured Data Format</a:t>
-            </a:r>
-          </a:p>
-          <a:p>
-            <a:r>
-              <a:rPr lang="en-US" dirty="0"/>
-              <a:t>Easy to transport and store (load and save)</a:t>
-            </a:r>
-          </a:p>
-          <a:p>
-            <a:r>
-              <a:rPr lang="en-US" dirty="0" smtClean="0"/>
-              <a:t>Human readable but maybe not as easy as XML (JSONP)</a:t>
-            </a:r>
-          </a:p>
-          <a:p>
-            <a:r>
-              <a:rPr lang="en-US" dirty="0" smtClean="0"/>
-              <a:t>No closing tags</a:t>
-            </a:r>
-          </a:p>
-          <a:p>
-            <a:r>
-              <a:rPr lang="en-US" dirty="0" smtClean="0"/>
-              <a:t>Written like JavaScript</a:t>
-            </a:r>
-          </a:p>
-          <a:p>
-            <a:r>
-              <a:rPr lang="en-US" dirty="0"/>
-              <a:t>Tags are intuitive and custom</a:t>
-            </a:r>
-          </a:p>
-          <a:p>
-            <a:r>
-              <a:rPr lang="en-US" dirty="0"/>
-              <a:t>Easily programed</a:t>
-            </a:r>
-          </a:p>
-          <a:p>
-            <a:r>
-              <a:rPr lang="en-US" dirty="0" smtClean="0"/>
-              <a:t>Not as extensible as XML but great for data transfers</a:t>
-            </a:r>
-          </a:p>
-          <a:p>
             <a:endParaRPr lang="en-US" dirty="0"/>
           </a:p>
         </p:txBody>
       </p:sp>
+      <p:pic>
+        <p:nvPicPr>
+          <p:cNvPr id="4" name="Picture 3" descr="Screen Shot 2013-02-24 at 10.44.49 PM.png"/>
+          <p:cNvPicPr>
+            <a:picLocks noChangeAspect="1"/>
+          </p:cNvPicPr>
+          <p:nvPr/>
+        </p:nvPicPr>
+        <p:blipFill>
+          <a:blip r:embed="rId2">
+            <a:extLst>
+              <a:ext uri="{28A0092B-C50C-407E-A947-70E740481C1C}">
+                <a14:useLocalDpi xmlns:a14="http://schemas.microsoft.com/office/drawing/2010/main" val="0"/>
+              </a:ext>
+            </a:extLst>
+          </a:blip>
+          <a:stretch>
+            <a:fillRect/>
+          </a:stretch>
+        </p:blipFill>
+        <p:spPr>
+          <a:xfrm>
+            <a:off x="0" y="1233142"/>
+            <a:ext cx="9144000" cy="5624858"/>
+          </a:xfrm>
+          <a:prstGeom prst="rect">
+            <a:avLst/>
+          </a:prstGeom>
+        </p:spPr>
+      </p:pic>
     </p:spTree>
     <p:extLst>
       <p:ext uri="{BB962C8B-B14F-4D97-AF65-F5344CB8AC3E}">
-        <p14:creationId xmlns:p14="http://schemas.microsoft.com/office/powerpoint/2010/main" val="759387122"/>
+        <p14:creationId xmlns:p14="http://schemas.microsoft.com/office/powerpoint/2010/main" val="825390830"/>
       </p:ext>
     </p:extLst>
   </p:cSld>
@@ -7924,7 +7978,7 @@
           <a:p>
             <a:r>
               <a:rPr lang="en-US" dirty="0" smtClean="0"/>
-              <a:t>Example JSON</a:t>
+              <a:t>JSON</a:t>
             </a:r>
             <a:endParaRPr lang="en-US" dirty="0"/>
           </a:p>
@@ -7950,44 +8004,68 @@
           <a:bodyPr/>
           <a:lstStyle/>
           <a:p>
+            <a:r>
+              <a:rPr lang="en-US" dirty="0" smtClean="0"/>
+              <a:t>JavaScript Object Notation</a:t>
+            </a:r>
+          </a:p>
+          <a:p>
+            <a:r>
+              <a:rPr lang="en-US" dirty="0" smtClean="0"/>
+              <a:t>Structured Data Format</a:t>
+            </a:r>
+          </a:p>
+          <a:p>
+            <a:r>
+              <a:rPr lang="en-US" dirty="0"/>
+              <a:t>Easy to transport and store (load and save)</a:t>
+            </a:r>
+          </a:p>
+          <a:p>
+            <a:r>
+              <a:rPr lang="en-US" dirty="0" smtClean="0"/>
+              <a:t>Human readable but maybe not as easy as XML (JSONP)</a:t>
+            </a:r>
+          </a:p>
+          <a:p>
+            <a:r>
+              <a:rPr lang="en-US" dirty="0" smtClean="0"/>
+              <a:t>No closing tags</a:t>
+            </a:r>
+          </a:p>
+          <a:p>
+            <a:r>
+              <a:rPr lang="en-US" dirty="0" smtClean="0"/>
+              <a:t>Written like JavaScript</a:t>
+            </a:r>
+          </a:p>
+          <a:p>
+            <a:r>
+              <a:rPr lang="en-US" dirty="0"/>
+              <a:t>Tags are intuitive and custom</a:t>
+            </a:r>
+          </a:p>
+          <a:p>
+            <a:r>
+              <a:rPr lang="en-US" dirty="0"/>
+              <a:t>Easily programed</a:t>
+            </a:r>
+          </a:p>
+          <a:p>
+            <a:r>
+              <a:rPr lang="en-US" dirty="0" smtClean="0"/>
+              <a:t>Not as extensible as XML but great for data transfers</a:t>
+            </a:r>
+          </a:p>
+          <a:p>
             <a:endParaRPr lang="en-US" dirty="0"/>
           </a:p>
         </p:txBody>
       </p:sp>
-      <p:pic>
-        <p:nvPicPr>
-          <p:cNvPr id="5" name="Picture 4" descr="Screen Shot 2013-02-24 at 10.56.34 PM.png"/>
-          <p:cNvPicPr>
-            <a:picLocks noChangeAspect="1"/>
-          </p:cNvPicPr>
-          <p:nvPr/>
-        </p:nvPicPr>
-        <p:blipFill>
-          <a:blip r:embed="rId2">
-            <a:extLst>
-              <a:ext uri="{28A0092B-C50C-407E-A947-70E740481C1C}">
-                <a14:useLocalDpi xmlns:a14="http://schemas.microsoft.com/office/drawing/2010/main" val="0"/>
-              </a:ext>
-            </a:extLst>
-          </a:blip>
-          <a:stretch>
-            <a:fillRect/>
-          </a:stretch>
-        </p:blipFill>
-        <p:spPr>
-          <a:xfrm>
-            <a:off x="-1" y="1123856"/>
-            <a:ext cx="8224993" cy="5734144"/>
-          </a:xfrm>
-          <a:prstGeom prst="rect">
-            <a:avLst/>
-          </a:prstGeom>
-        </p:spPr>
-      </p:pic>
     </p:spTree>
     <p:extLst>
       <p:ext uri="{BB962C8B-B14F-4D97-AF65-F5344CB8AC3E}">
-        <p14:creationId xmlns:p14="http://schemas.microsoft.com/office/powerpoint/2010/main" val="4191912035"/>
+        <p14:creationId xmlns:p14="http://schemas.microsoft.com/office/powerpoint/2010/main" val="759387122"/>
       </p:ext>
     </p:extLst>
   </p:cSld>
@@ -8024,14 +8102,19 @@
             <p:ph type="title"/>
           </p:nvPr>
         </p:nvSpPr>
-        <p:spPr/>
-        <p:txBody>
-          <a:bodyPr/>
-          <a:lstStyle/>
-          <a:p>
-            <a:r>
-              <a:rPr lang="en-US" dirty="0" smtClean="0"/>
-              <a:t>JSON or XML: The choice is yours</a:t>
+        <p:spPr>
+          <a:xfrm>
+            <a:off x="0" y="209456"/>
+            <a:ext cx="8913813" cy="914400"/>
+          </a:xfrm>
+        </p:spPr>
+        <p:txBody>
+          <a:bodyPr/>
+          <a:lstStyle/>
+          <a:p>
+            <a:r>
+              <a:rPr lang="en-US" dirty="0" smtClean="0"/>
+              <a:t>Example JSON</a:t>
             </a:r>
             <a:endParaRPr lang="en-US" dirty="0"/>
           </a:p>
@@ -8047,43 +8130,54 @@
             <p:ph idx="1"/>
           </p:nvPr>
         </p:nvSpPr>
-        <p:spPr/>
-        <p:txBody>
-          <a:bodyPr/>
-          <a:lstStyle/>
-          <a:p>
-            <a:r>
-              <a:rPr lang="en-US" dirty="0" smtClean="0"/>
-              <a:t>This is like the Mac or PC debate</a:t>
-            </a:r>
-          </a:p>
-          <a:p>
-            <a:r>
-              <a:rPr lang="en-US" dirty="0" smtClean="0"/>
-              <a:t>Some argue XML is better because it is extensible while others argue JSON is better because it is simpler.</a:t>
-            </a:r>
-          </a:p>
-          <a:p>
-            <a:r>
-              <a:rPr lang="en-US" dirty="0" smtClean="0"/>
-              <a:t>For large data sets, XML tends to be larger in file size because of the closing tags.</a:t>
-            </a:r>
-          </a:p>
-          <a:p>
-            <a:r>
-              <a:rPr lang="en-US" dirty="0" smtClean="0"/>
-              <a:t>Use the right tool for the job. Both have purposes.</a:t>
-            </a:r>
-          </a:p>
+        <p:spPr>
+          <a:xfrm>
+            <a:off x="302642" y="1139893"/>
+            <a:ext cx="8841357" cy="5433312"/>
+          </a:xfrm>
+        </p:spPr>
+        <p:txBody>
+          <a:bodyPr/>
+          <a:lstStyle/>
           <a:p>
             <a:endParaRPr lang="en-US" dirty="0"/>
           </a:p>
         </p:txBody>
       </p:sp>
+      <p:pic>
+        <p:nvPicPr>
+          <p:cNvPr id="5" name="Picture 4" descr="Screen Shot 2013-02-24 at 10.56.34 PM.png"/>
+          <p:cNvPicPr>
+            <a:picLocks noChangeAspect="1"/>
+          </p:cNvPicPr>
+          <p:nvPr/>
+        </p:nvPicPr>
+        <p:blipFill>
+          <a:blip r:embed="rId2">
+            <a:extLst>
+              <a:ext uri="{28A0092B-C50C-407E-A947-70E740481C1C}">
+                <a14:useLocalDpi xmlns:a14="http://schemas.microsoft.com/office/drawing/2010/main" val="0"/>
+              </a:ext>
+            </a:extLst>
+          </a:blip>
+          <a:stretch>
+            <a:fillRect/>
+          </a:stretch>
+        </p:blipFill>
+        <p:spPr>
+          <a:xfrm>
+            <a:off x="-1" y="1123856"/>
+            <a:ext cx="8224993" cy="5734144"/>
+          </a:xfrm>
+          <a:prstGeom prst="rect">
+            <a:avLst/>
+          </a:prstGeom>
+        </p:spPr>
+      </p:pic>
     </p:spTree>
     <p:extLst>
       <p:ext uri="{BB962C8B-B14F-4D97-AF65-F5344CB8AC3E}">
-        <p14:creationId xmlns:p14="http://schemas.microsoft.com/office/powerpoint/2010/main" val="2092680765"/>
+        <p14:creationId xmlns:p14="http://schemas.microsoft.com/office/powerpoint/2010/main" val="4191912035"/>
       </p:ext>
     </p:extLst>
   </p:cSld>
